--- a/Booking Management App.pptx
+++ b/Booking Management App.pptx
@@ -116,6 +116,11 @@
       </a:defRPr>
     </a:lvl9pPr>
   </p:defaultTextStyle>
+  <p:extLst>
+    <p:ext uri="{EFAFB233-063F-42B5-8137-9DF3F51BA10A}">
+      <p15:sldGuideLst xmlns:p15="http://schemas.microsoft.com/office/powerpoint/2012/main"/>
+    </p:ext>
+  </p:extLst>
 </p:presentation>
 </file>
 
@@ -161,7 +166,7 @@
           </a:lstStyle>
           <a:p>
             <a:r>
-              <a:rPr lang="en-US" smtClean="0"/>
+              <a:rPr lang="en-US"/>
               <a:t>Click to edit Master title style</a:t>
             </a:r>
             <a:endParaRPr lang="en-US" dirty="0"/>
@@ -278,7 +283,7 @@
           </a:lstStyle>
           <a:p>
             <a:r>
-              <a:rPr lang="en-US" smtClean="0"/>
+              <a:rPr lang="en-US"/>
               <a:t>Click to edit Master subtitle style</a:t>
             </a:r>
             <a:endParaRPr lang="en-US" dirty="0"/>
@@ -302,7 +307,7 @@
           <a:p>
             <a:fld id="{4AAD347D-5ACD-4C99-B74B-A9C85AD731AF}" type="datetimeFigureOut">
               <a:rPr lang="en-US" dirty="0"/>
-              <a:t>2/1/2021</a:t>
+              <a:t>2/2/2021</a:t>
             </a:fld>
             <a:endParaRPr lang="en-US" dirty="0"/>
           </a:p>
@@ -402,7 +407,7 @@
           </a:lstStyle>
           <a:p>
             <a:r>
-              <a:rPr lang="en-US" smtClean="0"/>
+              <a:rPr lang="en-US"/>
               <a:t>Click to edit Master title style</a:t>
             </a:r>
             <a:endParaRPr lang="en-US" dirty="0"/>
@@ -481,7 +486,7 @@
           </a:lstStyle>
           <a:p>
             <a:r>
-              <a:rPr lang="en-US" smtClean="0"/>
+              <a:rPr lang="en-US"/>
               <a:t>Click icon to add picture</a:t>
             </a:r>
             <a:endParaRPr lang="en-US" dirty="0"/>
@@ -549,7 +554,7 @@
           <a:p>
             <a:pPr lvl="0"/>
             <a:r>
-              <a:rPr lang="en-US" smtClean="0"/>
+              <a:rPr lang="en-US"/>
               <a:t>Edit Master text styles</a:t>
             </a:r>
           </a:p>
@@ -572,7 +577,7 @@
           <a:p>
             <a:fld id="{4509A250-FF31-4206-8172-F9D3106AACB1}" type="datetimeFigureOut">
               <a:rPr lang="en-US" dirty="0"/>
-              <a:t>2/1/2021</a:t>
+              <a:t>2/2/2021</a:t>
             </a:fld>
             <a:endParaRPr lang="en-US" dirty="0"/>
           </a:p>
@@ -670,7 +675,7 @@
           </a:lstStyle>
           <a:p>
             <a:r>
-              <a:rPr lang="en-US" smtClean="0"/>
+              <a:rPr lang="en-US"/>
               <a:t>Click to edit Master title style</a:t>
             </a:r>
             <a:endParaRPr lang="en-US" dirty="0"/>
@@ -738,7 +743,7 @@
           <a:p>
             <a:pPr lvl="0"/>
             <a:r>
-              <a:rPr lang="en-US" smtClean="0"/>
+              <a:rPr lang="en-US"/>
               <a:t>Edit Master text styles</a:t>
             </a:r>
           </a:p>
@@ -761,7 +766,7 @@
           <a:p>
             <a:fld id="{4509A250-FF31-4206-8172-F9D3106AACB1}" type="datetimeFigureOut">
               <a:rPr lang="en-US" dirty="0"/>
-              <a:t>2/1/2021</a:t>
+              <a:t>2/2/2021</a:t>
             </a:fld>
             <a:endParaRPr lang="en-US" dirty="0"/>
           </a:p>
@@ -859,7 +864,7 @@
           </a:lstStyle>
           <a:p>
             <a:r>
-              <a:rPr lang="en-US" smtClean="0"/>
+              <a:rPr lang="en-US"/>
               <a:t>Click to edit Master title style</a:t>
             </a:r>
             <a:endParaRPr lang="en-US" dirty="0"/>
@@ -934,7 +939,7 @@
           <a:p>
             <a:pPr lvl="0"/>
             <a:r>
-              <a:rPr lang="en-US" smtClean="0"/>
+              <a:rPr lang="en-US"/>
               <a:t>Edit Master text styles</a:t>
             </a:r>
           </a:p>
@@ -1001,7 +1006,7 @@
           <a:p>
             <a:pPr lvl="0"/>
             <a:r>
-              <a:rPr lang="en-US" smtClean="0"/>
+              <a:rPr lang="en-US"/>
               <a:t>Edit Master text styles</a:t>
             </a:r>
           </a:p>
@@ -1024,7 +1029,7 @@
           <a:p>
             <a:fld id="{4509A250-FF31-4206-8172-F9D3106AACB1}" type="datetimeFigureOut">
               <a:rPr lang="en-US" dirty="0"/>
-              <a:t>2/1/2021</a:t>
+              <a:t>2/2/2021</a:t>
             </a:fld>
             <a:endParaRPr lang="en-US" dirty="0"/>
           </a:p>
@@ -1210,7 +1215,7 @@
           </a:lstStyle>
           <a:p>
             <a:r>
-              <a:rPr lang="en-US" smtClean="0"/>
+              <a:rPr lang="en-US"/>
               <a:t>Click to edit Master title style</a:t>
             </a:r>
             <a:endParaRPr lang="en-US" dirty="0"/>
@@ -1328,7 +1333,7 @@
           <a:p>
             <a:pPr lvl="0"/>
             <a:r>
-              <a:rPr lang="en-US" smtClean="0"/>
+              <a:rPr lang="en-US"/>
               <a:t>Edit Master text styles</a:t>
             </a:r>
           </a:p>
@@ -1351,7 +1356,7 @@
           <a:p>
             <a:fld id="{4509A250-FF31-4206-8172-F9D3106AACB1}" type="datetimeFigureOut">
               <a:rPr lang="en-US" dirty="0"/>
-              <a:t>2/1/2021</a:t>
+              <a:t>2/2/2021</a:t>
             </a:fld>
             <a:endParaRPr lang="en-US" dirty="0"/>
           </a:p>
@@ -1444,7 +1449,7 @@
           </a:lstStyle>
           <a:p>
             <a:r>
-              <a:rPr lang="en-US" smtClean="0"/>
+              <a:rPr lang="en-US"/>
               <a:t>Click to edit Master title style</a:t>
             </a:r>
             <a:endParaRPr lang="en-US" dirty="0"/>
@@ -1516,7 +1521,7 @@
           <a:p>
             <a:pPr lvl="0"/>
             <a:r>
-              <a:rPr lang="en-US" smtClean="0"/>
+              <a:rPr lang="en-US"/>
               <a:t>Edit Master text styles</a:t>
             </a:r>
           </a:p>
@@ -1583,7 +1588,7 @@
           <a:p>
             <a:pPr lvl="0"/>
             <a:r>
-              <a:rPr lang="en-US" smtClean="0"/>
+              <a:rPr lang="en-US"/>
               <a:t>Edit Master text styles</a:t>
             </a:r>
           </a:p>
@@ -1654,7 +1659,7 @@
           <a:p>
             <a:pPr lvl="0"/>
             <a:r>
-              <a:rPr lang="en-US" smtClean="0"/>
+              <a:rPr lang="en-US"/>
               <a:t>Edit Master text styles</a:t>
             </a:r>
           </a:p>
@@ -1721,7 +1726,7 @@
           <a:p>
             <a:pPr lvl="0"/>
             <a:r>
-              <a:rPr lang="en-US" smtClean="0"/>
+              <a:rPr lang="en-US"/>
               <a:t>Edit Master text styles</a:t>
             </a:r>
           </a:p>
@@ -1792,7 +1797,7 @@
           <a:p>
             <a:pPr lvl="0"/>
             <a:r>
-              <a:rPr lang="en-US" smtClean="0"/>
+              <a:rPr lang="en-US"/>
               <a:t>Edit Master text styles</a:t>
             </a:r>
           </a:p>
@@ -1859,7 +1864,7 @@
           <a:p>
             <a:pPr lvl="0"/>
             <a:r>
-              <a:rPr lang="en-US" smtClean="0"/>
+              <a:rPr lang="en-US"/>
               <a:t>Edit Master text styles</a:t>
             </a:r>
           </a:p>
@@ -1956,7 +1961,7 @@
           <a:p>
             <a:fld id="{4509A250-FF31-4206-8172-F9D3106AACB1}" type="datetimeFigureOut">
               <a:rPr lang="en-US" dirty="0"/>
-              <a:t>2/1/2021</a:t>
+              <a:t>2/2/2021</a:t>
             </a:fld>
             <a:endParaRPr lang="en-US" dirty="0"/>
           </a:p>
@@ -2049,7 +2054,7 @@
           </a:lstStyle>
           <a:p>
             <a:r>
-              <a:rPr lang="en-US" smtClean="0"/>
+              <a:rPr lang="en-US"/>
               <a:t>Click to edit Master title style</a:t>
             </a:r>
             <a:endParaRPr lang="en-US" dirty="0"/>
@@ -2121,7 +2126,7 @@
           <a:p>
             <a:pPr lvl="0"/>
             <a:r>
-              <a:rPr lang="en-US" smtClean="0"/>
+              <a:rPr lang="en-US"/>
               <a:t>Edit Master text styles</a:t>
             </a:r>
           </a:p>
@@ -2199,7 +2204,7 @@
           </a:lstStyle>
           <a:p>
             <a:r>
-              <a:rPr lang="en-US" smtClean="0"/>
+              <a:rPr lang="en-US"/>
               <a:t>Click icon to add picture</a:t>
             </a:r>
             <a:endParaRPr lang="en-US" dirty="0"/>
@@ -2267,7 +2272,7 @@
           <a:p>
             <a:pPr lvl="0"/>
             <a:r>
-              <a:rPr lang="en-US" smtClean="0"/>
+              <a:rPr lang="en-US"/>
               <a:t>Edit Master text styles</a:t>
             </a:r>
           </a:p>
@@ -2338,7 +2343,7 @@
           <a:p>
             <a:pPr lvl="0"/>
             <a:r>
-              <a:rPr lang="en-US" smtClean="0"/>
+              <a:rPr lang="en-US"/>
               <a:t>Edit Master text styles</a:t>
             </a:r>
           </a:p>
@@ -2416,7 +2421,7 @@
           </a:lstStyle>
           <a:p>
             <a:r>
-              <a:rPr lang="en-US" smtClean="0"/>
+              <a:rPr lang="en-US"/>
               <a:t>Click icon to add picture</a:t>
             </a:r>
             <a:endParaRPr lang="en-US" dirty="0"/>
@@ -2484,7 +2489,7 @@
           <a:p>
             <a:pPr lvl="0"/>
             <a:r>
-              <a:rPr lang="en-US" smtClean="0"/>
+              <a:rPr lang="en-US"/>
               <a:t>Edit Master text styles</a:t>
             </a:r>
           </a:p>
@@ -2555,7 +2560,7 @@
           <a:p>
             <a:pPr lvl="0"/>
             <a:r>
-              <a:rPr lang="en-US" smtClean="0"/>
+              <a:rPr lang="en-US"/>
               <a:t>Edit Master text styles</a:t>
             </a:r>
           </a:p>
@@ -2633,7 +2638,7 @@
           </a:lstStyle>
           <a:p>
             <a:r>
-              <a:rPr lang="en-US" smtClean="0"/>
+              <a:rPr lang="en-US"/>
               <a:t>Click icon to add picture</a:t>
             </a:r>
             <a:endParaRPr lang="en-US" dirty="0"/>
@@ -2701,7 +2706,7 @@
           <a:p>
             <a:pPr lvl="0"/>
             <a:r>
-              <a:rPr lang="en-US" smtClean="0"/>
+              <a:rPr lang="en-US"/>
               <a:t>Edit Master text styles</a:t>
             </a:r>
           </a:p>
@@ -2798,7 +2803,7 @@
           <a:p>
             <a:fld id="{4509A250-FF31-4206-8172-F9D3106AACB1}" type="datetimeFigureOut">
               <a:rPr lang="en-US" dirty="0"/>
-              <a:t>2/1/2021</a:t>
+              <a:t>2/2/2021</a:t>
             </a:fld>
             <a:endParaRPr lang="en-US" dirty="0"/>
           </a:p>
@@ -2887,7 +2892,7 @@
           <a:lstStyle/>
           <a:p>
             <a:r>
-              <a:rPr lang="en-US" smtClean="0"/>
+              <a:rPr lang="en-US"/>
               <a:t>Click to edit Master title style</a:t>
             </a:r>
             <a:endParaRPr lang="en-US" dirty="0"/>
@@ -2911,35 +2916,35 @@
           <a:p>
             <a:pPr lvl="0"/>
             <a:r>
-              <a:rPr lang="en-US" smtClean="0"/>
+              <a:rPr lang="en-US"/>
               <a:t>Edit Master text styles</a:t>
             </a:r>
           </a:p>
           <a:p>
             <a:pPr lvl="1"/>
             <a:r>
-              <a:rPr lang="en-US" smtClean="0"/>
+              <a:rPr lang="en-US"/>
               <a:t>Second level</a:t>
             </a:r>
           </a:p>
           <a:p>
             <a:pPr lvl="2"/>
             <a:r>
-              <a:rPr lang="en-US" smtClean="0"/>
+              <a:rPr lang="en-US"/>
               <a:t>Third level</a:t>
             </a:r>
           </a:p>
           <a:p>
             <a:pPr lvl="3"/>
             <a:r>
-              <a:rPr lang="en-US" smtClean="0"/>
+              <a:rPr lang="en-US"/>
               <a:t>Fourth level</a:t>
             </a:r>
           </a:p>
           <a:p>
             <a:pPr lvl="4"/>
             <a:r>
-              <a:rPr lang="en-US" smtClean="0"/>
+              <a:rPr lang="en-US"/>
               <a:t>Fifth level</a:t>
             </a:r>
             <a:endParaRPr lang="en-US" dirty="0"/>
@@ -2963,7 +2968,7 @@
           <a:p>
             <a:fld id="{4509A250-FF31-4206-8172-F9D3106AACB1}" type="datetimeFigureOut">
               <a:rPr lang="en-US" dirty="0"/>
-              <a:t>2/1/2021</a:t>
+              <a:t>2/2/2021</a:t>
             </a:fld>
             <a:endParaRPr lang="en-US" dirty="0"/>
           </a:p>
@@ -3057,7 +3062,7 @@
           <a:lstStyle/>
           <a:p>
             <a:r>
-              <a:rPr lang="en-US" smtClean="0"/>
+              <a:rPr lang="en-US"/>
               <a:t>Click to edit Master title style</a:t>
             </a:r>
             <a:endParaRPr lang="en-US" dirty="0"/>
@@ -3086,35 +3091,35 @@
           <a:p>
             <a:pPr lvl="0"/>
             <a:r>
-              <a:rPr lang="en-US" smtClean="0"/>
+              <a:rPr lang="en-US"/>
               <a:t>Edit Master text styles</a:t>
             </a:r>
           </a:p>
           <a:p>
             <a:pPr lvl="1"/>
             <a:r>
-              <a:rPr lang="en-US" smtClean="0"/>
+              <a:rPr lang="en-US"/>
               <a:t>Second level</a:t>
             </a:r>
           </a:p>
           <a:p>
             <a:pPr lvl="2"/>
             <a:r>
-              <a:rPr lang="en-US" smtClean="0"/>
+              <a:rPr lang="en-US"/>
               <a:t>Third level</a:t>
             </a:r>
           </a:p>
           <a:p>
             <a:pPr lvl="3"/>
             <a:r>
-              <a:rPr lang="en-US" smtClean="0"/>
+              <a:rPr lang="en-US"/>
               <a:t>Fourth level</a:t>
             </a:r>
           </a:p>
           <a:p>
             <a:pPr lvl="4"/>
             <a:r>
-              <a:rPr lang="en-US" smtClean="0"/>
+              <a:rPr lang="en-US"/>
               <a:t>Fifth level</a:t>
             </a:r>
             <a:endParaRPr lang="en-US" dirty="0"/>
@@ -3138,7 +3143,7 @@
           <a:p>
             <a:fld id="{4509A250-FF31-4206-8172-F9D3106AACB1}" type="datetimeFigureOut">
               <a:rPr lang="en-US" dirty="0"/>
-              <a:t>2/1/2021</a:t>
+              <a:t>2/2/2021</a:t>
             </a:fld>
             <a:endParaRPr lang="en-US" dirty="0"/>
           </a:p>
@@ -3227,7 +3232,7 @@
           <a:lstStyle/>
           <a:p>
             <a:r>
-              <a:rPr lang="en-US" smtClean="0"/>
+              <a:rPr lang="en-US"/>
               <a:t>Click to edit Master title style</a:t>
             </a:r>
             <a:endParaRPr lang="en-US" dirty="0"/>
@@ -3251,35 +3256,35 @@
           <a:p>
             <a:pPr lvl="0"/>
             <a:r>
-              <a:rPr lang="en-US" smtClean="0"/>
+              <a:rPr lang="en-US"/>
               <a:t>Edit Master text styles</a:t>
             </a:r>
           </a:p>
           <a:p>
             <a:pPr lvl="1"/>
             <a:r>
-              <a:rPr lang="en-US" smtClean="0"/>
+              <a:rPr lang="en-US"/>
               <a:t>Second level</a:t>
             </a:r>
           </a:p>
           <a:p>
             <a:pPr lvl="2"/>
             <a:r>
-              <a:rPr lang="en-US" smtClean="0"/>
+              <a:rPr lang="en-US"/>
               <a:t>Third level</a:t>
             </a:r>
           </a:p>
           <a:p>
             <a:pPr lvl="3"/>
             <a:r>
-              <a:rPr lang="en-US" smtClean="0"/>
+              <a:rPr lang="en-US"/>
               <a:t>Fourth level</a:t>
             </a:r>
           </a:p>
           <a:p>
             <a:pPr lvl="4"/>
             <a:r>
-              <a:rPr lang="en-US" smtClean="0"/>
+              <a:rPr lang="en-US"/>
               <a:t>Fifth level</a:t>
             </a:r>
             <a:endParaRPr lang="en-US" dirty="0"/>
@@ -3303,7 +3308,7 @@
           <a:p>
             <a:fld id="{4509A250-FF31-4206-8172-F9D3106AACB1}" type="datetimeFigureOut">
               <a:rPr lang="en-US" dirty="0"/>
-              <a:t>2/1/2021</a:t>
+              <a:t>2/2/2021</a:t>
             </a:fld>
             <a:endParaRPr lang="en-US" dirty="0"/>
           </a:p>
@@ -3401,7 +3406,7 @@
           </a:lstStyle>
           <a:p>
             <a:r>
-              <a:rPr lang="en-US" smtClean="0"/>
+              <a:rPr lang="en-US"/>
               <a:t>Click to edit Master title style</a:t>
             </a:r>
             <a:endParaRPr lang="en-US" dirty="0"/>
@@ -3519,7 +3524,7 @@
           <a:p>
             <a:pPr lvl="0"/>
             <a:r>
-              <a:rPr lang="en-US" smtClean="0"/>
+              <a:rPr lang="en-US"/>
               <a:t>Edit Master text styles</a:t>
             </a:r>
           </a:p>
@@ -3542,7 +3547,7 @@
           <a:p>
             <a:fld id="{4509A250-FF31-4206-8172-F9D3106AACB1}" type="datetimeFigureOut">
               <a:rPr lang="en-US" dirty="0"/>
-              <a:t>2/1/2021</a:t>
+              <a:t>2/2/2021</a:t>
             </a:fld>
             <a:endParaRPr lang="en-US" dirty="0"/>
           </a:p>
@@ -3631,7 +3636,7 @@
           <a:lstStyle/>
           <a:p>
             <a:r>
-              <a:rPr lang="en-US" smtClean="0"/>
+              <a:rPr lang="en-US"/>
               <a:t>Click to edit Master title style</a:t>
             </a:r>
             <a:endParaRPr lang="en-US" dirty="0"/>
@@ -3690,35 +3695,35 @@
           <a:p>
             <a:pPr lvl="0"/>
             <a:r>
-              <a:rPr lang="en-US" smtClean="0"/>
+              <a:rPr lang="en-US"/>
               <a:t>Edit Master text styles</a:t>
             </a:r>
           </a:p>
           <a:p>
             <a:pPr lvl="1"/>
             <a:r>
-              <a:rPr lang="en-US" smtClean="0"/>
+              <a:rPr lang="en-US"/>
               <a:t>Second level</a:t>
             </a:r>
           </a:p>
           <a:p>
             <a:pPr lvl="2"/>
             <a:r>
-              <a:rPr lang="en-US" smtClean="0"/>
+              <a:rPr lang="en-US"/>
               <a:t>Third level</a:t>
             </a:r>
           </a:p>
           <a:p>
             <a:pPr lvl="3"/>
             <a:r>
-              <a:rPr lang="en-US" smtClean="0"/>
+              <a:rPr lang="en-US"/>
               <a:t>Fourth level</a:t>
             </a:r>
           </a:p>
           <a:p>
             <a:pPr lvl="4"/>
             <a:r>
-              <a:rPr lang="en-US" smtClean="0"/>
+              <a:rPr lang="en-US"/>
               <a:t>Fifth level</a:t>
             </a:r>
             <a:endParaRPr lang="en-US" dirty="0"/>
@@ -3777,35 +3782,35 @@
           <a:p>
             <a:pPr lvl="0"/>
             <a:r>
-              <a:rPr lang="en-US" smtClean="0"/>
+              <a:rPr lang="en-US"/>
               <a:t>Edit Master text styles</a:t>
             </a:r>
           </a:p>
           <a:p>
             <a:pPr lvl="1"/>
             <a:r>
-              <a:rPr lang="en-US" smtClean="0"/>
+              <a:rPr lang="en-US"/>
               <a:t>Second level</a:t>
             </a:r>
           </a:p>
           <a:p>
             <a:pPr lvl="2"/>
             <a:r>
-              <a:rPr lang="en-US" smtClean="0"/>
+              <a:rPr lang="en-US"/>
               <a:t>Third level</a:t>
             </a:r>
           </a:p>
           <a:p>
             <a:pPr lvl="3"/>
             <a:r>
-              <a:rPr lang="en-US" smtClean="0"/>
+              <a:rPr lang="en-US"/>
               <a:t>Fourth level</a:t>
             </a:r>
           </a:p>
           <a:p>
             <a:pPr lvl="4"/>
             <a:r>
-              <a:rPr lang="en-US" smtClean="0"/>
+              <a:rPr lang="en-US"/>
               <a:t>Fifth level</a:t>
             </a:r>
             <a:endParaRPr lang="en-US" dirty="0"/>
@@ -3829,7 +3834,7 @@
           <a:p>
             <a:fld id="{4509A250-FF31-4206-8172-F9D3106AACB1}" type="datetimeFigureOut">
               <a:rPr lang="en-US" dirty="0"/>
-              <a:t>2/1/2021</a:t>
+              <a:t>2/2/2021</a:t>
             </a:fld>
             <a:endParaRPr lang="en-US" dirty="0"/>
           </a:p>
@@ -3922,7 +3927,7 @@
           </a:lstStyle>
           <a:p>
             <a:r>
-              <a:rPr lang="en-US" smtClean="0"/>
+              <a:rPr lang="en-US"/>
               <a:t>Click to edit Master title style</a:t>
             </a:r>
             <a:endParaRPr lang="en-US" dirty="0"/>
@@ -3994,7 +3999,7 @@
           <a:p>
             <a:pPr lvl="0"/>
             <a:r>
-              <a:rPr lang="en-US" smtClean="0"/>
+              <a:rPr lang="en-US"/>
               <a:t>Edit Master text styles</a:t>
             </a:r>
           </a:p>
@@ -4052,35 +4057,35 @@
           <a:p>
             <a:pPr lvl="0"/>
             <a:r>
-              <a:rPr lang="en-US" smtClean="0"/>
+              <a:rPr lang="en-US"/>
               <a:t>Edit Master text styles</a:t>
             </a:r>
           </a:p>
           <a:p>
             <a:pPr lvl="1"/>
             <a:r>
-              <a:rPr lang="en-US" smtClean="0"/>
+              <a:rPr lang="en-US"/>
               <a:t>Second level</a:t>
             </a:r>
           </a:p>
           <a:p>
             <a:pPr lvl="2"/>
             <a:r>
-              <a:rPr lang="en-US" smtClean="0"/>
+              <a:rPr lang="en-US"/>
               <a:t>Third level</a:t>
             </a:r>
           </a:p>
           <a:p>
             <a:pPr lvl="3"/>
             <a:r>
-              <a:rPr lang="en-US" smtClean="0"/>
+              <a:rPr lang="en-US"/>
               <a:t>Fourth level</a:t>
             </a:r>
           </a:p>
           <a:p>
             <a:pPr lvl="4"/>
             <a:r>
-              <a:rPr lang="en-US" smtClean="0"/>
+              <a:rPr lang="en-US"/>
               <a:t>Fifth level</a:t>
             </a:r>
             <a:endParaRPr lang="en-US" dirty="0"/>
@@ -4152,7 +4157,7 @@
           <a:p>
             <a:pPr lvl="0"/>
             <a:r>
-              <a:rPr lang="en-US" smtClean="0"/>
+              <a:rPr lang="en-US"/>
               <a:t>Edit Master text styles</a:t>
             </a:r>
           </a:p>
@@ -4210,35 +4215,35 @@
           <a:p>
             <a:pPr lvl="0"/>
             <a:r>
-              <a:rPr lang="en-US" smtClean="0"/>
+              <a:rPr lang="en-US"/>
               <a:t>Edit Master text styles</a:t>
             </a:r>
           </a:p>
           <a:p>
             <a:pPr lvl="1"/>
             <a:r>
-              <a:rPr lang="en-US" smtClean="0"/>
+              <a:rPr lang="en-US"/>
               <a:t>Second level</a:t>
             </a:r>
           </a:p>
           <a:p>
             <a:pPr lvl="2"/>
             <a:r>
-              <a:rPr lang="en-US" smtClean="0"/>
+              <a:rPr lang="en-US"/>
               <a:t>Third level</a:t>
             </a:r>
           </a:p>
           <a:p>
             <a:pPr lvl="3"/>
             <a:r>
-              <a:rPr lang="en-US" smtClean="0"/>
+              <a:rPr lang="en-US"/>
               <a:t>Fourth level</a:t>
             </a:r>
           </a:p>
           <a:p>
             <a:pPr lvl="4"/>
             <a:r>
-              <a:rPr lang="en-US" smtClean="0"/>
+              <a:rPr lang="en-US"/>
               <a:t>Fifth level</a:t>
             </a:r>
             <a:endParaRPr lang="en-US" dirty="0"/>
@@ -4262,7 +4267,7 @@
           <a:p>
             <a:fld id="{4509A250-FF31-4206-8172-F9D3106AACB1}" type="datetimeFigureOut">
               <a:rPr lang="en-US" dirty="0"/>
-              <a:t>2/1/2021</a:t>
+              <a:t>2/2/2021</a:t>
             </a:fld>
             <a:endParaRPr lang="en-US" dirty="0"/>
           </a:p>
@@ -4351,7 +4356,7 @@
           <a:lstStyle/>
           <a:p>
             <a:r>
-              <a:rPr lang="en-US" smtClean="0"/>
+              <a:rPr lang="en-US"/>
               <a:t>Click to edit Master title style</a:t>
             </a:r>
             <a:endParaRPr lang="en-US" dirty="0"/>
@@ -4375,7 +4380,7 @@
           <a:p>
             <a:fld id="{4509A250-FF31-4206-8172-F9D3106AACB1}" type="datetimeFigureOut">
               <a:rPr lang="en-US" dirty="0"/>
-              <a:t>2/1/2021</a:t>
+              <a:t>2/2/2021</a:t>
             </a:fld>
             <a:endParaRPr lang="en-US" dirty="0"/>
           </a:p>
@@ -4465,7 +4470,7 @@
           <a:p>
             <a:fld id="{4509A250-FF31-4206-8172-F9D3106AACB1}" type="datetimeFigureOut">
               <a:rPr lang="en-US" dirty="0"/>
-              <a:t>2/1/2021</a:t>
+              <a:t>2/2/2021</a:t>
             </a:fld>
             <a:endParaRPr lang="en-US" dirty="0"/>
           </a:p>
@@ -4563,7 +4568,7 @@
           </a:lstStyle>
           <a:p>
             <a:r>
-              <a:rPr lang="en-US" smtClean="0"/>
+              <a:rPr lang="en-US"/>
               <a:t>Click to edit Master title style</a:t>
             </a:r>
             <a:endParaRPr lang="en-US" dirty="0"/>
@@ -4622,35 +4627,35 @@
           <a:p>
             <a:pPr lvl="0"/>
             <a:r>
-              <a:rPr lang="en-US" smtClean="0"/>
+              <a:rPr lang="en-US"/>
               <a:t>Edit Master text styles</a:t>
             </a:r>
           </a:p>
           <a:p>
             <a:pPr lvl="1"/>
             <a:r>
-              <a:rPr lang="en-US" smtClean="0"/>
+              <a:rPr lang="en-US"/>
               <a:t>Second level</a:t>
             </a:r>
           </a:p>
           <a:p>
             <a:pPr lvl="2"/>
             <a:r>
-              <a:rPr lang="en-US" smtClean="0"/>
+              <a:rPr lang="en-US"/>
               <a:t>Third level</a:t>
             </a:r>
           </a:p>
           <a:p>
             <a:pPr lvl="3"/>
             <a:r>
-              <a:rPr lang="en-US" smtClean="0"/>
+              <a:rPr lang="en-US"/>
               <a:t>Fourth level</a:t>
             </a:r>
           </a:p>
           <a:p>
             <a:pPr lvl="4"/>
             <a:r>
-              <a:rPr lang="en-US" smtClean="0"/>
+              <a:rPr lang="en-US"/>
               <a:t>Fifth level</a:t>
             </a:r>
             <a:endParaRPr lang="en-US" dirty="0"/>
@@ -4716,7 +4721,7 @@
           <a:p>
             <a:pPr lvl="0"/>
             <a:r>
-              <a:rPr lang="en-US" smtClean="0"/>
+              <a:rPr lang="en-US"/>
               <a:t>Edit Master text styles</a:t>
             </a:r>
           </a:p>
@@ -4739,7 +4744,7 @@
           <a:p>
             <a:fld id="{4509A250-FF31-4206-8172-F9D3106AACB1}" type="datetimeFigureOut">
               <a:rPr lang="en-US" dirty="0"/>
-              <a:t>2/1/2021</a:t>
+              <a:t>2/2/2021</a:t>
             </a:fld>
             <a:endParaRPr lang="en-US" dirty="0"/>
           </a:p>
@@ -4839,7 +4844,7 @@
           </a:lstStyle>
           <a:p>
             <a:r>
-              <a:rPr lang="en-US" smtClean="0"/>
+              <a:rPr lang="en-US"/>
               <a:t>Click to edit Master title style</a:t>
             </a:r>
             <a:endParaRPr lang="en-US" dirty="0"/>
@@ -4918,7 +4923,7 @@
           </a:lstStyle>
           <a:p>
             <a:r>
-              <a:rPr lang="en-US" smtClean="0"/>
+              <a:rPr lang="en-US"/>
               <a:t>Click icon to add picture</a:t>
             </a:r>
             <a:endParaRPr lang="en-US" dirty="0"/>
@@ -4986,7 +4991,7 @@
           <a:p>
             <a:pPr lvl="0"/>
             <a:r>
-              <a:rPr lang="en-US" smtClean="0"/>
+              <a:rPr lang="en-US"/>
               <a:t>Edit Master text styles</a:t>
             </a:r>
           </a:p>
@@ -5009,7 +5014,7 @@
           <a:p>
             <a:fld id="{4509A250-FF31-4206-8172-F9D3106AACB1}" type="datetimeFigureOut">
               <a:rPr lang="en-US" dirty="0"/>
-              <a:t>2/1/2021</a:t>
+              <a:t>2/2/2021</a:t>
             </a:fld>
             <a:endParaRPr lang="en-US" dirty="0"/>
           </a:p>
@@ -5328,7 +5333,7 @@
           <a:lstStyle/>
           <a:p>
             <a:r>
-              <a:rPr lang="en-US" smtClean="0"/>
+              <a:rPr lang="en-US"/>
               <a:t>Click to edit Master title style</a:t>
             </a:r>
             <a:endParaRPr lang="en-US" dirty="0"/>
@@ -5362,35 +5367,35 @@
           <a:p>
             <a:pPr lvl="0"/>
             <a:r>
-              <a:rPr lang="en-US" smtClean="0"/>
+              <a:rPr lang="en-US"/>
               <a:t>Edit Master text styles</a:t>
             </a:r>
           </a:p>
           <a:p>
             <a:pPr lvl="1"/>
             <a:r>
-              <a:rPr lang="en-US" smtClean="0"/>
+              <a:rPr lang="en-US"/>
               <a:t>Second level</a:t>
             </a:r>
           </a:p>
           <a:p>
             <a:pPr lvl="2"/>
             <a:r>
-              <a:rPr lang="en-US" smtClean="0"/>
+              <a:rPr lang="en-US"/>
               <a:t>Third level</a:t>
             </a:r>
           </a:p>
           <a:p>
             <a:pPr lvl="3"/>
             <a:r>
-              <a:rPr lang="en-US" smtClean="0"/>
+              <a:rPr lang="en-US"/>
               <a:t>Fourth level</a:t>
             </a:r>
           </a:p>
           <a:p>
             <a:pPr lvl="4"/>
             <a:r>
-              <a:rPr lang="en-US" smtClean="0"/>
+              <a:rPr lang="en-US"/>
               <a:t>Fifth level</a:t>
             </a:r>
             <a:endParaRPr lang="en-US" dirty="0"/>
@@ -5433,7 +5438,7 @@
           <a:p>
             <a:fld id="{4509A250-FF31-4206-8172-F9D3106AACB1}" type="datetimeFigureOut">
               <a:rPr lang="en-US" dirty="0"/>
-              <a:t>2/1/2021</a:t>
+              <a:t>2/2/2021</a:t>
             </a:fld>
             <a:endParaRPr lang="en-US" dirty="0"/>
           </a:p>
@@ -5952,17 +5957,16 @@
           <a:p>
             <a:pPr algn="ctr"/>
             <a:r>
-              <a:rPr lang="en-US" dirty="0" smtClean="0"/>
+              <a:rPr lang="en-US" dirty="0"/>
               <a:t>Booking Management App</a:t>
             </a:r>
             <a:br>
-              <a:rPr lang="en-US" dirty="0" smtClean="0"/>
+              <a:rPr lang="en-US" dirty="0"/>
             </a:br>
             <a:r>
-              <a:rPr lang="en-US" dirty="0" smtClean="0"/>
+              <a:rPr lang="en-US" dirty="0"/>
               <a:t>GAD</a:t>
             </a:r>
-            <a:endParaRPr lang="en-US" dirty="0"/>
           </a:p>
         </p:txBody>
       </p:sp>
@@ -5987,10 +5991,9 @@
           <a:lstStyle/>
           <a:p>
             <a:r>
-              <a:rPr lang="en-US" b="1" dirty="0" smtClean="0"/>
+              <a:rPr lang="en-US" b="1" dirty="0"/>
               <a:t>By Oliva Alexandru</a:t>
             </a:r>
-            <a:endParaRPr lang="en-US" b="1" dirty="0"/>
           </a:p>
         </p:txBody>
       </p:sp>
@@ -6217,10 +6220,9 @@
           <a:lstStyle/>
           <a:p>
             <a:r>
-              <a:rPr lang="en-US" dirty="0" smtClean="0"/>
+              <a:rPr lang="en-US" dirty="0"/>
               <a:t>My suggestions and conclusions:</a:t>
             </a:r>
-            <a:endParaRPr lang="en-US" dirty="0"/>
           </a:p>
         </p:txBody>
       </p:sp>
@@ -6245,71 +6247,67 @@
           <a:lstStyle/>
           <a:p>
             <a:r>
-              <a:rPr lang="en-US" dirty="0" smtClean="0"/>
+              <a:rPr lang="en-US" dirty="0"/>
               <a:t>Refactor in that moment</a:t>
             </a:r>
           </a:p>
           <a:p>
             <a:r>
-              <a:rPr lang="en-US" dirty="0" smtClean="0"/>
+              <a:rPr lang="en-US" dirty="0"/>
               <a:t>The design of is not that important (work next time more on the functionalities)</a:t>
             </a:r>
           </a:p>
           <a:p>
             <a:r>
-              <a:rPr lang="en-US" dirty="0" smtClean="0"/>
+              <a:rPr lang="en-US" dirty="0"/>
               <a:t>Do research before starting an app (Airbnb doesn’t provide API’s, Booking does)!</a:t>
             </a:r>
           </a:p>
           <a:p>
             <a:r>
-              <a:rPr lang="en-US" dirty="0" smtClean="0"/>
-              <a:t>Firebase is a very useful API but at one point it will be </a:t>
-            </a:r>
-            <a:r>
-              <a:rPr lang="en-US" dirty="0"/>
-              <a:t>too expensive (</a:t>
+              <a:rPr lang="en-US" dirty="0"/>
+              <a:t>Firebase is a very useful API but at one point it will be too expensive (</a:t>
             </a:r>
             <a:r>
               <a:rPr lang="en-US" dirty="0">
                 <a:hlinkClick r:id="rId2"/>
               </a:rPr>
-              <a:t>https://</a:t>
-            </a:r>
-            <a:r>
-              <a:rPr lang="en-US" dirty="0" smtClean="0">
-                <a:hlinkClick r:id="rId2"/>
-              </a:rPr>
-              <a:t>firebase.google.com/pricing</a:t>
-            </a:r>
-            <a:r>
-              <a:rPr lang="en-US" dirty="0" smtClean="0"/>
+              <a:t>https://firebase.google.com/pricing</a:t>
+            </a:r>
+            <a:r>
+              <a:rPr lang="en-US" dirty="0"/>
               <a:t>)</a:t>
             </a:r>
           </a:p>
           <a:p>
             <a:r>
-              <a:rPr lang="en-US" dirty="0" smtClean="0"/>
+              <a:rPr lang="en-US" dirty="0"/>
               <a:t>Use GIT and commit frequently (not one bulk commit)</a:t>
             </a:r>
           </a:p>
           <a:p>
             <a:r>
-              <a:rPr lang="en-US" dirty="0" smtClean="0"/>
+              <a:rPr lang="en-US" dirty="0"/>
               <a:t>Test it frequently, after every little change in the code</a:t>
             </a:r>
           </a:p>
           <a:p>
+            <a:r>
+              <a:rPr lang="en-US" dirty="0"/>
+              <a:t>Use the same pack of icons for consistency</a:t>
+            </a:r>
+          </a:p>
+          <a:p>
             <a:pPr marL="0" indent="0">
               <a:buNone/>
             </a:pPr>
-            <a:endParaRPr lang="en-US" dirty="0" smtClean="0"/>
-          </a:p>
-          <a:p>
-            <a:endParaRPr lang="en-US" dirty="0" smtClean="0"/>
-          </a:p>
-          <a:p>
-            <a:endParaRPr lang="en-US" dirty="0" smtClean="0"/>
+            <a:endParaRPr lang="en-US" dirty="0"/>
+          </a:p>
+          <a:p>
+            <a:endParaRPr lang="en-US" dirty="0"/>
+          </a:p>
+          <a:p>
+            <a:endParaRPr lang="en-US" dirty="0"/>
           </a:p>
           <a:p>
             <a:endParaRPr lang="en-US" dirty="0"/>
@@ -6392,10 +6390,9 @@
           <a:lstStyle/>
           <a:p>
             <a:r>
-              <a:rPr lang="en-US" dirty="0" smtClean="0"/>
+              <a:rPr lang="en-US" dirty="0"/>
               <a:t>To be implemented in the feature:</a:t>
             </a:r>
-            <a:endParaRPr lang="en-US" dirty="0"/>
           </a:p>
         </p:txBody>
       </p:sp>
@@ -6409,36 +6406,43 @@
             <p:ph idx="1"/>
           </p:nvPr>
         </p:nvSpPr>
-        <p:spPr/>
+        <p:spPr>
+          <a:xfrm>
+            <a:off x="2081880" y="1956665"/>
+            <a:ext cx="8946541" cy="4195481"/>
+          </a:xfrm>
+        </p:spPr>
         <p:txBody>
           <a:bodyPr/>
           <a:lstStyle/>
           <a:p>
             <a:r>
-              <a:rPr lang="en-US" dirty="0" smtClean="0"/>
+              <a:rPr lang="en-US" sz="2800" dirty="0"/>
               <a:t>Calendar View</a:t>
             </a:r>
           </a:p>
           <a:p>
             <a:r>
-              <a:rPr lang="en-US" dirty="0" smtClean="0"/>
+              <a:rPr lang="en-US" sz="2800" dirty="0"/>
               <a:t>Redesigning the architecture of the app to ask the user for the number of rooms</a:t>
             </a:r>
           </a:p>
           <a:p>
             <a:r>
-              <a:rPr lang="en-US" dirty="0" smtClean="0"/>
+              <a:rPr lang="en-US" sz="2800" dirty="0"/>
               <a:t>Synchronizing calendars</a:t>
             </a:r>
           </a:p>
           <a:p>
+            <a:r>
+              <a:rPr lang="en-US" sz="2800" dirty="0"/>
+              <a:t>Validate and sanitize the app better</a:t>
+            </a:r>
+          </a:p>
+          <a:p>
             <a:pPr marL="0" indent="0">
               <a:buNone/>
             </a:pPr>
-            <a:r>
-              <a:rPr lang="en-US" dirty="0" smtClean="0"/>
-              <a:t> </a:t>
-            </a:r>
             <a:endParaRPr lang="en-US" dirty="0"/>
           </a:p>
         </p:txBody>
@@ -6524,10 +6528,9 @@
           <a:lstStyle/>
           <a:p>
             <a:r>
-              <a:rPr lang="en-US" sz="11500" dirty="0" smtClean="0"/>
+              <a:rPr lang="en-US" sz="11500" dirty="0"/>
               <a:t>DEMO TIME </a:t>
             </a:r>
-            <a:endParaRPr lang="en-US" sz="11500" dirty="0"/>
           </a:p>
         </p:txBody>
       </p:sp>
@@ -6607,10 +6610,9 @@
           <a:lstStyle/>
           <a:p>
             <a:r>
-              <a:rPr lang="en-US" dirty="0" smtClean="0"/>
+              <a:rPr lang="en-US" dirty="0"/>
               <a:t>Thank you! </a:t>
             </a:r>
-            <a:endParaRPr lang="en-US" dirty="0"/>
           </a:p>
         </p:txBody>
       </p:sp>
@@ -6719,10 +6721,9 @@
           <a:lstStyle/>
           <a:p>
             <a:r>
-              <a:rPr lang="en-US" dirty="0" smtClean="0"/>
+              <a:rPr lang="en-US" dirty="0"/>
               <a:t>Application objective:</a:t>
             </a:r>
-            <a:endParaRPr lang="en-US" dirty="0"/>
           </a:p>
         </p:txBody>
       </p:sp>
@@ -6749,25 +6750,25 @@
           <a:lstStyle/>
           <a:p>
             <a:r>
-              <a:rPr lang="en-US" sz="3000" dirty="0" smtClean="0"/>
+              <a:rPr lang="en-US" sz="3000" dirty="0"/>
               <a:t>The objective was to create an application for small hotels and guest houses</a:t>
             </a:r>
           </a:p>
           <a:p>
             <a:r>
-              <a:rPr lang="en-US" sz="3000" dirty="0" smtClean="0"/>
+              <a:rPr lang="en-US" sz="3000" dirty="0"/>
               <a:t>The application is designed to help the administrators to organize the bookings in a better way</a:t>
             </a:r>
           </a:p>
           <a:p>
             <a:r>
-              <a:rPr lang="en-US" sz="3000" dirty="0" smtClean="0"/>
-              <a:t>Only 2 apps on the market at this point (without synchronization)</a:t>
-            </a:r>
-          </a:p>
-          <a:p>
-            <a:r>
-              <a:rPr lang="en-US" sz="3000" dirty="0" smtClean="0"/>
+              <a:rPr lang="en-US" sz="3000" dirty="0"/>
+              <a:t>Only 3 apps on the market at this point (without synchronization)</a:t>
+            </a:r>
+          </a:p>
+          <a:p>
+            <a:r>
+              <a:rPr lang="en-US" sz="3000" dirty="0"/>
               <a:t>The initial scope of this application was to synchronize different calendars and create a centralized point for other applications like (Airbnb, Booking, etc.)</a:t>
             </a:r>
           </a:p>
@@ -6857,10 +6858,9 @@
           <a:lstStyle/>
           <a:p>
             <a:r>
-              <a:rPr lang="en-US" dirty="0" smtClean="0"/>
+              <a:rPr lang="en-US" dirty="0"/>
               <a:t>Use cases of the app:</a:t>
             </a:r>
-            <a:endParaRPr lang="en-US" dirty="0"/>
           </a:p>
         </p:txBody>
       </p:sp>
@@ -6971,10 +6971,9 @@
           <a:lstStyle/>
           <a:p>
             <a:r>
-              <a:rPr lang="en-US" dirty="0" smtClean="0"/>
+              <a:rPr lang="en-US" dirty="0"/>
               <a:t>Topics approaches and  used in the app:</a:t>
             </a:r>
-            <a:endParaRPr lang="en-US" dirty="0"/>
           </a:p>
         </p:txBody>
       </p:sp>
@@ -6999,73 +6998,73 @@
           <a:lstStyle/>
           <a:p>
             <a:r>
-              <a:rPr lang="en-US" dirty="0" smtClean="0"/>
+              <a:rPr lang="en-US" dirty="0"/>
               <a:t>Firebase (</a:t>
             </a:r>
             <a:r>
-              <a:rPr lang="en-US" dirty="0" err="1" smtClean="0"/>
+              <a:rPr lang="en-US" dirty="0" err="1"/>
               <a:t>Firestore</a:t>
             </a:r>
             <a:r>
-              <a:rPr lang="en-US" dirty="0" smtClean="0"/>
+              <a:rPr lang="en-US" dirty="0"/>
               <a:t> database (NOSQL), </a:t>
             </a:r>
             <a:r>
-              <a:rPr lang="en-US" dirty="0" err="1" smtClean="0"/>
+              <a:rPr lang="en-US" dirty="0" err="1"/>
               <a:t>FirebaseAuth</a:t>
             </a:r>
             <a:r>
-              <a:rPr lang="en-US" dirty="0" smtClean="0"/>
+              <a:rPr lang="en-US" dirty="0"/>
               <a:t>, </a:t>
             </a:r>
             <a:r>
-              <a:rPr lang="en-US" dirty="0" err="1" smtClean="0"/>
+              <a:rPr lang="en-US" dirty="0" err="1"/>
               <a:t>Firestore</a:t>
             </a:r>
             <a:r>
-              <a:rPr lang="en-US" dirty="0" smtClean="0"/>
+              <a:rPr lang="en-US" dirty="0"/>
               <a:t> Recycle Adapter)</a:t>
             </a:r>
           </a:p>
           <a:p>
             <a:r>
-              <a:rPr lang="en-US" dirty="0" smtClean="0"/>
+              <a:rPr lang="en-US" dirty="0"/>
               <a:t>Fragments</a:t>
             </a:r>
           </a:p>
           <a:p>
             <a:r>
-              <a:rPr lang="en-US" dirty="0" smtClean="0"/>
+              <a:rPr lang="en-US" dirty="0"/>
               <a:t>Activities</a:t>
             </a:r>
           </a:p>
           <a:p>
             <a:r>
-              <a:rPr lang="en-US" dirty="0" smtClean="0"/>
+              <a:rPr lang="en-US" dirty="0"/>
               <a:t>Toasts</a:t>
             </a:r>
           </a:p>
           <a:p>
             <a:r>
-              <a:rPr lang="en-US" dirty="0" smtClean="0"/>
+              <a:rPr lang="en-US" dirty="0"/>
               <a:t>Constraint layout</a:t>
             </a:r>
           </a:p>
           <a:p>
             <a:r>
-              <a:rPr lang="en-US" dirty="0" smtClean="0"/>
+              <a:rPr lang="en-US" dirty="0"/>
               <a:t>Card-view layout</a:t>
             </a:r>
           </a:p>
           <a:p>
             <a:r>
-              <a:rPr lang="en-US" dirty="0" smtClean="0"/>
+              <a:rPr lang="en-US" dirty="0"/>
               <a:t>Intents</a:t>
             </a:r>
           </a:p>
           <a:p>
             <a:r>
-              <a:rPr lang="en-US" dirty="0" smtClean="0"/>
+              <a:rPr lang="en-US" dirty="0"/>
               <a:t>Bundles</a:t>
             </a:r>
           </a:p>
@@ -7152,18 +7151,17 @@
           <a:lstStyle/>
           <a:p>
             <a:r>
-              <a:rPr lang="en-US" dirty="0" smtClean="0"/>
+              <a:rPr lang="en-US" dirty="0"/>
               <a:t>About Cloud </a:t>
             </a:r>
             <a:r>
-              <a:rPr lang="en-US" dirty="0" err="1" smtClean="0"/>
+              <a:rPr lang="en-US" dirty="0" err="1"/>
               <a:t>Firestore</a:t>
             </a:r>
             <a:r>
-              <a:rPr lang="en-US" dirty="0" smtClean="0"/>
+              <a:rPr lang="en-US" dirty="0"/>
               <a:t>:</a:t>
             </a:r>
-            <a:endParaRPr lang="en-US" dirty="0"/>
           </a:p>
         </p:txBody>
       </p:sp>
@@ -7188,19 +7186,19 @@
           <a:lstStyle/>
           <a:p>
             <a:r>
-              <a:rPr lang="en-US" dirty="0" smtClean="0"/>
+              <a:rPr lang="en-US" dirty="0"/>
               <a:t>It’s a NoSQL database</a:t>
             </a:r>
           </a:p>
           <a:p>
             <a:r>
-              <a:rPr lang="en-US" dirty="0" smtClean="0"/>
+              <a:rPr lang="en-US" dirty="0"/>
               <a:t>It’s composed by collections and documents</a:t>
             </a:r>
           </a:p>
           <a:p>
             <a:r>
-              <a:rPr lang="en-US" dirty="0" smtClean="0"/>
+              <a:rPr lang="en-US" dirty="0"/>
               <a:t>You can store data in structures of data</a:t>
             </a:r>
           </a:p>
@@ -7315,22 +7313,17 @@
           <a:lstStyle/>
           <a:p>
             <a:r>
-              <a:rPr lang="en-US" dirty="0" smtClean="0"/>
+              <a:rPr lang="en-US" dirty="0"/>
               <a:t>How my </a:t>
             </a:r>
             <a:r>
               <a:rPr lang="en-US" dirty="0" err="1"/>
-              <a:t>F</a:t>
-            </a:r>
-            <a:r>
-              <a:rPr lang="en-US" dirty="0" err="1" smtClean="0"/>
-              <a:t>irestore</a:t>
-            </a:r>
-            <a:r>
-              <a:rPr lang="en-US" dirty="0" smtClean="0"/>
+              <a:t>Firestore</a:t>
+            </a:r>
+            <a:r>
+              <a:rPr lang="en-US" dirty="0"/>
               <a:t> database is looking like:</a:t>
             </a:r>
-            <a:endParaRPr lang="en-US" dirty="0"/>
           </a:p>
         </p:txBody>
       </p:sp>
@@ -7528,10 +7521,9 @@
           <a:lstStyle/>
           <a:p>
             <a:r>
-              <a:rPr lang="en-US" dirty="0" smtClean="0"/>
+              <a:rPr lang="en-US" dirty="0"/>
               <a:t>What I did wrong:</a:t>
             </a:r>
-            <a:endParaRPr lang="en-US" dirty="0"/>
           </a:p>
         </p:txBody>
       </p:sp>
@@ -7558,51 +7550,51 @@
           <a:lstStyle/>
           <a:p>
             <a:r>
-              <a:rPr lang="en-US" dirty="0" smtClean="0"/>
+              <a:rPr lang="en-US" dirty="0"/>
               <a:t>The register and login is sometimes slow (idk why)</a:t>
             </a:r>
           </a:p>
           <a:p>
             <a:r>
-              <a:rPr lang="en-US" dirty="0" smtClean="0"/>
+              <a:rPr lang="en-US" dirty="0"/>
               <a:t>The app doesn’t ask the user how many rooms does he have (didn’t have enough time  to implement this)</a:t>
             </a:r>
           </a:p>
           <a:p>
             <a:r>
-              <a:rPr lang="en-US" dirty="0" smtClean="0"/>
-              <a:t>The design of the app is not created by typing. Most of it is created by drag and drop.</a:t>
-            </a:r>
-          </a:p>
-          <a:p>
-            <a:r>
-              <a:rPr lang="en-US" dirty="0" smtClean="0"/>
+              <a:rPr lang="en-US" dirty="0"/>
+              <a:t>The front-end of the app is not created by typing. Most of it is created by drag and drop.</a:t>
+            </a:r>
+          </a:p>
+          <a:p>
+            <a:r>
+              <a:rPr lang="en-US" dirty="0"/>
               <a:t>Wrote a lot of boilerplate and didn’t refactor correctly (e.g.. Creating a common class for some firebase instances and for some GUI elements)</a:t>
             </a:r>
           </a:p>
           <a:p>
             <a:r>
-              <a:rPr lang="en-US" dirty="0" smtClean="0"/>
+              <a:rPr lang="en-US" dirty="0"/>
               <a:t>When I started the app I spend a lot of time on designing the GUI</a:t>
             </a:r>
           </a:p>
           <a:p>
             <a:r>
-              <a:rPr lang="en-US" dirty="0" smtClean="0"/>
+              <a:rPr lang="en-US" dirty="0"/>
               <a:t>Created a new booking and user is not sanitized 100%</a:t>
             </a:r>
           </a:p>
           <a:p>
             <a:r>
-              <a:rPr lang="en-US" dirty="0" smtClean="0"/>
+              <a:rPr lang="en-US" dirty="0"/>
               <a:t>My logout button is not correctly logging out the user. (Couldn’t fix this bug) </a:t>
             </a:r>
           </a:p>
           <a:p>
-            <a:endParaRPr lang="en-US" dirty="0" smtClean="0"/>
-          </a:p>
-          <a:p>
-            <a:endParaRPr lang="en-US" dirty="0" smtClean="0"/>
+            <a:endParaRPr lang="en-US" dirty="0"/>
+          </a:p>
+          <a:p>
+            <a:endParaRPr lang="en-US" dirty="0"/>
           </a:p>
           <a:p>
             <a:endParaRPr lang="en-US" dirty="0"/>
@@ -7763,10 +7755,9 @@
           <a:lstStyle/>
           <a:p>
             <a:r>
-              <a:rPr lang="en-US" dirty="0" smtClean="0"/>
+              <a:rPr lang="en-US" dirty="0"/>
               <a:t>What I did good:</a:t>
             </a:r>
-            <a:endParaRPr lang="en-US" dirty="0"/>
           </a:p>
         </p:txBody>
       </p:sp>
@@ -7780,54 +7771,58 @@
             <p:ph idx="1"/>
           </p:nvPr>
         </p:nvSpPr>
-        <p:spPr/>
+        <p:spPr>
+          <a:xfrm>
+            <a:off x="1295817" y="1331259"/>
+            <a:ext cx="8946541" cy="4195481"/>
+          </a:xfrm>
+        </p:spPr>
         <p:txBody>
           <a:bodyPr/>
           <a:lstStyle/>
           <a:p>
             <a:r>
-              <a:rPr lang="en-US" dirty="0" smtClean="0"/>
+              <a:rPr lang="en-US" dirty="0"/>
               <a:t>Created a different fragment for each of the use-case (excepting the dashboard and login/register activities)</a:t>
             </a:r>
           </a:p>
           <a:p>
             <a:r>
-              <a:rPr lang="en-US" dirty="0" smtClean="0"/>
+              <a:rPr lang="en-US" dirty="0"/>
               <a:t>Used the </a:t>
             </a:r>
             <a:r>
               <a:rPr lang="en-US" dirty="0" err="1"/>
-              <a:t>F</a:t>
-            </a:r>
-            <a:r>
-              <a:rPr lang="en-US" dirty="0" err="1" smtClean="0"/>
-              <a:t>irestore</a:t>
-            </a:r>
-            <a:r>
-              <a:rPr lang="en-US" dirty="0" smtClean="0"/>
+              <a:t>Firestore</a:t>
+            </a:r>
+            <a:r>
+              <a:rPr lang="en-US" dirty="0"/>
               <a:t> recycle view adapter which was very useful and easy to adapt in the code.</a:t>
             </a:r>
           </a:p>
           <a:p>
             <a:r>
-              <a:rPr lang="en-US" dirty="0" smtClean="0"/>
+              <a:rPr lang="en-US" dirty="0"/>
               <a:t>Did a lot of commits</a:t>
             </a:r>
           </a:p>
           <a:p>
             <a:r>
-              <a:rPr lang="en-US" dirty="0" smtClean="0"/>
+              <a:rPr lang="en-US" dirty="0"/>
               <a:t>Created different branches for some features</a:t>
             </a:r>
           </a:p>
           <a:p>
             <a:r>
-              <a:rPr lang="en-US" dirty="0" smtClean="0"/>
+              <a:rPr lang="en-US" dirty="0"/>
               <a:t>Created a common background resource for all activities and GUIS (probably in the feature I will use this approach more when starting the development of an app)</a:t>
             </a:r>
           </a:p>
           <a:p>
-            <a:endParaRPr lang="en-US" dirty="0"/>
+            <a:r>
+              <a:rPr lang="en-US" dirty="0"/>
+              <a:t>Defined models for my entities (Booking, User)</a:t>
+            </a:r>
           </a:p>
         </p:txBody>
       </p:sp>

--- a/Booking Management App.pptx
+++ b/Booking Management App.pptx
@@ -9,15 +9,16 @@
     <p:sldId id="257" r:id="rId3"/>
     <p:sldId id="259" r:id="rId4"/>
     <p:sldId id="260" r:id="rId5"/>
-    <p:sldId id="261" r:id="rId6"/>
-    <p:sldId id="262" r:id="rId7"/>
-    <p:sldId id="263" r:id="rId8"/>
-    <p:sldId id="265" r:id="rId9"/>
-    <p:sldId id="266" r:id="rId10"/>
-    <p:sldId id="268" r:id="rId11"/>
-    <p:sldId id="267" r:id="rId12"/>
-    <p:sldId id="264" r:id="rId13"/>
-    <p:sldId id="269" r:id="rId14"/>
+    <p:sldId id="270" r:id="rId6"/>
+    <p:sldId id="261" r:id="rId7"/>
+    <p:sldId id="262" r:id="rId8"/>
+    <p:sldId id="263" r:id="rId9"/>
+    <p:sldId id="265" r:id="rId10"/>
+    <p:sldId id="266" r:id="rId11"/>
+    <p:sldId id="268" r:id="rId12"/>
+    <p:sldId id="267" r:id="rId13"/>
+    <p:sldId id="264" r:id="rId14"/>
+    <p:sldId id="269" r:id="rId15"/>
   </p:sldIdLst>
   <p:sldSz cx="12192000" cy="6858000"/>
   <p:notesSz cx="6858000" cy="9144000"/>
@@ -6221,7 +6222,7 @@
           <a:p>
             <a:r>
               <a:rPr lang="en-US" dirty="0"/>
-              <a:t>My suggestions and conclusions:</a:t>
+              <a:t>What I did good:</a:t>
             </a:r>
           </a:p>
         </p:txBody>
@@ -6238,7 +6239,7 @@
         </p:nvSpPr>
         <p:spPr>
           <a:xfrm>
-            <a:off x="2025733" y="1651866"/>
+            <a:off x="1295817" y="1331259"/>
             <a:ext cx="8946541" cy="4195481"/>
           </a:xfrm>
         </p:spPr>
@@ -6248,69 +6249,46 @@
           <a:p>
             <a:r>
               <a:rPr lang="en-US" dirty="0"/>
-              <a:t>Refactor in that moment</a:t>
-            </a:r>
-          </a:p>
-          <a:p>
-            <a:r>
-              <a:rPr lang="en-US" dirty="0"/>
-              <a:t>The design of is not that important (work next time more on the functionalities)</a:t>
-            </a:r>
-          </a:p>
-          <a:p>
-            <a:r>
-              <a:rPr lang="en-US" dirty="0"/>
-              <a:t>Do research before starting an app (Airbnb doesn’t provide API’s, Booking does)!</a:t>
-            </a:r>
-          </a:p>
-          <a:p>
-            <a:r>
-              <a:rPr lang="en-US" dirty="0"/>
-              <a:t>Firebase is a very useful API but at one point it will be too expensive (</a:t>
-            </a:r>
-            <a:r>
-              <a:rPr lang="en-US" dirty="0">
-                <a:hlinkClick r:id="rId2"/>
-              </a:rPr>
-              <a:t>https://firebase.google.com/pricing</a:t>
-            </a:r>
-            <a:r>
-              <a:rPr lang="en-US" dirty="0"/>
-              <a:t>)</a:t>
-            </a:r>
-          </a:p>
-          <a:p>
-            <a:r>
-              <a:rPr lang="en-US" dirty="0"/>
-              <a:t>Use GIT and commit frequently (not one bulk commit)</a:t>
-            </a:r>
-          </a:p>
-          <a:p>
-            <a:r>
-              <a:rPr lang="en-US" dirty="0"/>
-              <a:t>Test it frequently, after every little change in the code</a:t>
-            </a:r>
-          </a:p>
-          <a:p>
-            <a:r>
-              <a:rPr lang="en-US" dirty="0"/>
-              <a:t>Use the same pack of icons for consistency</a:t>
-            </a:r>
-          </a:p>
-          <a:p>
-            <a:pPr marL="0" indent="0">
-              <a:buNone/>
-            </a:pPr>
-            <a:endParaRPr lang="en-US" dirty="0"/>
-          </a:p>
-          <a:p>
-            <a:endParaRPr lang="en-US" dirty="0"/>
-          </a:p>
-          <a:p>
-            <a:endParaRPr lang="en-US" dirty="0"/>
-          </a:p>
-          <a:p>
-            <a:endParaRPr lang="en-US" dirty="0"/>
+              <a:t>Created a different fragment for each of the use-case (excepting the dashboard and login/register activities)</a:t>
+            </a:r>
+          </a:p>
+          <a:p>
+            <a:r>
+              <a:rPr lang="en-US" dirty="0"/>
+              <a:t>Used the </a:t>
+            </a:r>
+            <a:r>
+              <a:rPr lang="en-US" dirty="0" err="1"/>
+              <a:t>Firestore</a:t>
+            </a:r>
+            <a:r>
+              <a:rPr lang="en-US" dirty="0"/>
+              <a:t> recycle view adapter which was very useful and easy to adapt in the code.</a:t>
+            </a:r>
+          </a:p>
+          <a:p>
+            <a:r>
+              <a:rPr lang="en-US" dirty="0"/>
+              <a:t>Did a lot of commits</a:t>
+            </a:r>
+          </a:p>
+          <a:p>
+            <a:r>
+              <a:rPr lang="en-US" dirty="0"/>
+              <a:t>Created different branches for some features</a:t>
+            </a:r>
+          </a:p>
+          <a:p>
+            <a:r>
+              <a:rPr lang="en-US" dirty="0"/>
+              <a:t>Created a common background resource for all activities and GUIS (probably in the feature I will use this approach more when starting the development of an app)</a:t>
+            </a:r>
+          </a:p>
+          <a:p>
+            <a:r>
+              <a:rPr lang="en-US" dirty="0"/>
+              <a:t>Defined models for my entities (Booking, User)</a:t>
+            </a:r>
           </a:p>
         </p:txBody>
       </p:sp>
@@ -6323,7 +6301,7 @@
           <p:nvPr/>
         </p:nvPicPr>
         <p:blipFill>
-          <a:blip r:embed="rId3">
+          <a:blip r:embed="rId2">
             <a:extLst>
               <a:ext uri="{28A0092B-C50C-407E-A947-70E740481C1C}">
                 <a14:useLocalDpi xmlns:a14="http://schemas.microsoft.com/office/drawing/2010/main" val="0"/>
@@ -6347,7 +6325,7 @@
     </p:spTree>
     <p:extLst>
       <p:ext uri="{BB962C8B-B14F-4D97-AF65-F5344CB8AC3E}">
-        <p14:creationId xmlns:p14="http://schemas.microsoft.com/office/powerpoint/2010/main" val="779334894"/>
+        <p14:creationId xmlns:p14="http://schemas.microsoft.com/office/powerpoint/2010/main" val="3579491964"/>
       </p:ext>
     </p:extLst>
   </p:cSld>
@@ -6391,7 +6369,7 @@
           <a:p>
             <a:r>
               <a:rPr lang="en-US" dirty="0"/>
-              <a:t>To be implemented in the feature:</a:t>
+              <a:t>My suggestions and conclusions:</a:t>
             </a:r>
           </a:p>
         </p:txBody>
@@ -6408,7 +6386,7 @@
         </p:nvSpPr>
         <p:spPr>
           <a:xfrm>
-            <a:off x="2081880" y="1956665"/>
+            <a:off x="2025733" y="1651866"/>
             <a:ext cx="8946541" cy="4195481"/>
           </a:xfrm>
         </p:spPr>
@@ -6417,32 +6395,69 @@
           <a:lstStyle/>
           <a:p>
             <a:r>
-              <a:rPr lang="en-US" sz="2800" dirty="0"/>
-              <a:t>Calendar View</a:t>
-            </a:r>
-          </a:p>
-          <a:p>
-            <a:r>
-              <a:rPr lang="en-US" sz="2800" dirty="0"/>
-              <a:t>Redesigning the architecture of the app to ask the user for the number of rooms</a:t>
-            </a:r>
-          </a:p>
-          <a:p>
-            <a:r>
-              <a:rPr lang="en-US" sz="2800" dirty="0"/>
-              <a:t>Synchronizing calendars</a:t>
-            </a:r>
-          </a:p>
-          <a:p>
-            <a:r>
-              <a:rPr lang="en-US" sz="2800" dirty="0"/>
-              <a:t>Validate and sanitize the app better</a:t>
+              <a:rPr lang="en-US" dirty="0"/>
+              <a:t>Refactor in that moment</a:t>
+            </a:r>
+          </a:p>
+          <a:p>
+            <a:r>
+              <a:rPr lang="en-US" dirty="0"/>
+              <a:t>The design of is not that important (work next time more on the functionalities)</a:t>
+            </a:r>
+          </a:p>
+          <a:p>
+            <a:r>
+              <a:rPr lang="en-US" dirty="0"/>
+              <a:t>Do research before starting an app (Airbnb doesn’t provide API’s, Booking does)!</a:t>
+            </a:r>
+          </a:p>
+          <a:p>
+            <a:r>
+              <a:rPr lang="en-US" dirty="0"/>
+              <a:t>Firebase is a very useful API but at one point it will be too expensive (</a:t>
+            </a:r>
+            <a:r>
+              <a:rPr lang="en-US" dirty="0">
+                <a:hlinkClick r:id="rId2"/>
+              </a:rPr>
+              <a:t>https://firebase.google.com/pricing</a:t>
+            </a:r>
+            <a:r>
+              <a:rPr lang="en-US" dirty="0"/>
+              <a:t>)</a:t>
+            </a:r>
+          </a:p>
+          <a:p>
+            <a:r>
+              <a:rPr lang="en-US" dirty="0"/>
+              <a:t>Use GIT and commit frequently (not one bulk commit)</a:t>
+            </a:r>
+          </a:p>
+          <a:p>
+            <a:r>
+              <a:rPr lang="en-US" dirty="0"/>
+              <a:t>Test it frequently, after every little change in the code</a:t>
+            </a:r>
+          </a:p>
+          <a:p>
+            <a:r>
+              <a:rPr lang="en-US" dirty="0"/>
+              <a:t>Use the same pack of icons for consistency</a:t>
             </a:r>
           </a:p>
           <a:p>
             <a:pPr marL="0" indent="0">
               <a:buNone/>
             </a:pPr>
+            <a:endParaRPr lang="en-US" dirty="0"/>
+          </a:p>
+          <a:p>
+            <a:endParaRPr lang="en-US" dirty="0"/>
+          </a:p>
+          <a:p>
+            <a:endParaRPr lang="en-US" dirty="0"/>
+          </a:p>
+          <a:p>
             <a:endParaRPr lang="en-US" dirty="0"/>
           </a:p>
         </p:txBody>
@@ -6456,7 +6471,7 @@
           <p:nvPr/>
         </p:nvPicPr>
         <p:blipFill>
-          <a:blip r:embed="rId2">
+          <a:blip r:embed="rId3">
             <a:extLst>
               <a:ext uri="{28A0092B-C50C-407E-A947-70E740481C1C}">
                 <a14:useLocalDpi xmlns:a14="http://schemas.microsoft.com/office/drawing/2010/main" val="0"/>
@@ -6480,7 +6495,7 @@
     </p:spTree>
     <p:extLst>
       <p:ext uri="{BB962C8B-B14F-4D97-AF65-F5344CB8AC3E}">
-        <p14:creationId xmlns:p14="http://schemas.microsoft.com/office/powerpoint/2010/main" val="3153759011"/>
+        <p14:creationId xmlns:p14="http://schemas.microsoft.com/office/powerpoint/2010/main" val="779334894"/>
       </p:ext>
     </p:extLst>
   </p:cSld>
@@ -6517,20 +6532,66 @@
             <p:ph type="title"/>
           </p:nvPr>
         </p:nvSpPr>
-        <p:spPr>
-          <a:xfrm>
-            <a:off x="1672431" y="2193286"/>
-            <a:ext cx="9404723" cy="1400530"/>
-          </a:xfrm>
-        </p:spPr>
+        <p:spPr/>
         <p:txBody>
           <a:bodyPr/>
           <a:lstStyle/>
           <a:p>
             <a:r>
-              <a:rPr lang="en-US" sz="11500" dirty="0"/>
-              <a:t>DEMO TIME </a:t>
-            </a:r>
+              <a:rPr lang="en-US" dirty="0"/>
+              <a:t>To be implemented in the feature:</a:t>
+            </a:r>
+          </a:p>
+        </p:txBody>
+      </p:sp>
+      <p:sp>
+        <p:nvSpPr>
+          <p:cNvPr id="3" name="Content Placeholder 2"/>
+          <p:cNvSpPr>
+            <a:spLocks noGrp="1"/>
+          </p:cNvSpPr>
+          <p:nvPr>
+            <p:ph idx="1"/>
+          </p:nvPr>
+        </p:nvSpPr>
+        <p:spPr>
+          <a:xfrm>
+            <a:off x="2081880" y="1956665"/>
+            <a:ext cx="8946541" cy="4195481"/>
+          </a:xfrm>
+        </p:spPr>
+        <p:txBody>
+          <a:bodyPr/>
+          <a:lstStyle/>
+          <a:p>
+            <a:r>
+              <a:rPr lang="en-US" sz="2800" dirty="0"/>
+              <a:t>Calendar View</a:t>
+            </a:r>
+          </a:p>
+          <a:p>
+            <a:r>
+              <a:rPr lang="en-US" sz="2800" dirty="0"/>
+              <a:t>Redesigning the architecture of the app to ask the user for the number of rooms</a:t>
+            </a:r>
+          </a:p>
+          <a:p>
+            <a:r>
+              <a:rPr lang="en-US" sz="2800" dirty="0"/>
+              <a:t>Synchronizing calendars</a:t>
+            </a:r>
+          </a:p>
+          <a:p>
+            <a:r>
+              <a:rPr lang="en-US" sz="2800" dirty="0"/>
+              <a:t>Validate and sanitize the app better</a:t>
+            </a:r>
+          </a:p>
+          <a:p>
+            <a:pPr marL="0" indent="0">
+              <a:buNone/>
+            </a:pPr>
+            <a:endParaRPr lang="en-US" dirty="0"/>
           </a:p>
         </p:txBody>
       </p:sp>
@@ -6567,6 +6628,93 @@
     </p:spTree>
     <p:extLst>
       <p:ext uri="{BB962C8B-B14F-4D97-AF65-F5344CB8AC3E}">
+        <p14:creationId xmlns:p14="http://schemas.microsoft.com/office/powerpoint/2010/main" val="3153759011"/>
+      </p:ext>
+    </p:extLst>
+  </p:cSld>
+  <p:clrMapOvr>
+    <a:masterClrMapping/>
+  </p:clrMapOvr>
+</p:sld>
+</file>
+
+<file path=ppt/slides/slide13.xml><?xml version="1.0" encoding="utf-8"?>
+<p:sld xmlns:a="http://schemas.openxmlformats.org/drawingml/2006/main" xmlns:r="http://schemas.openxmlformats.org/officeDocument/2006/relationships" xmlns:p="http://schemas.openxmlformats.org/presentationml/2006/main">
+  <p:cSld>
+    <p:spTree>
+      <p:nvGrpSpPr>
+        <p:cNvPr id="1" name=""/>
+        <p:cNvGrpSpPr/>
+        <p:nvPr/>
+      </p:nvGrpSpPr>
+      <p:grpSpPr>
+        <a:xfrm>
+          <a:off x="0" y="0"/>
+          <a:ext cx="0" cy="0"/>
+          <a:chOff x="0" y="0"/>
+          <a:chExt cx="0" cy="0"/>
+        </a:xfrm>
+      </p:grpSpPr>
+      <p:sp>
+        <p:nvSpPr>
+          <p:cNvPr id="2" name="Title 1"/>
+          <p:cNvSpPr>
+            <a:spLocks noGrp="1"/>
+          </p:cNvSpPr>
+          <p:nvPr>
+            <p:ph type="title"/>
+          </p:nvPr>
+        </p:nvSpPr>
+        <p:spPr>
+          <a:xfrm>
+            <a:off x="1672431" y="2193286"/>
+            <a:ext cx="9404723" cy="1400530"/>
+          </a:xfrm>
+        </p:spPr>
+        <p:txBody>
+          <a:bodyPr/>
+          <a:lstStyle/>
+          <a:p>
+            <a:r>
+              <a:rPr lang="en-US" sz="11500" dirty="0"/>
+              <a:t>DEMO TIME </a:t>
+            </a:r>
+          </a:p>
+        </p:txBody>
+      </p:sp>
+      <p:pic>
+        <p:nvPicPr>
+          <p:cNvPr id="4" name="Picture 3"/>
+          <p:cNvPicPr>
+            <a:picLocks noChangeAspect="1"/>
+          </p:cNvPicPr>
+          <p:nvPr/>
+        </p:nvPicPr>
+        <p:blipFill>
+          <a:blip r:embed="rId2">
+            <a:extLst>
+              <a:ext uri="{28A0092B-C50C-407E-A947-70E740481C1C}">
+                <a14:useLocalDpi xmlns:a14="http://schemas.microsoft.com/office/drawing/2010/main" val="0"/>
+              </a:ext>
+            </a:extLst>
+          </a:blip>
+          <a:stretch>
+            <a:fillRect/>
+          </a:stretch>
+        </p:blipFill>
+        <p:spPr>
+          <a:xfrm>
+            <a:off x="208547" y="5245768"/>
+            <a:ext cx="1463884" cy="1463884"/>
+          </a:xfrm>
+          <a:prstGeom prst="rect">
+            <a:avLst/>
+          </a:prstGeom>
+        </p:spPr>
+      </p:pic>
+    </p:spTree>
+    <p:extLst>
+      <p:ext uri="{BB962C8B-B14F-4D97-AF65-F5344CB8AC3E}">
         <p14:creationId xmlns:p14="http://schemas.microsoft.com/office/powerpoint/2010/main" val="3848637727"/>
       </p:ext>
     </p:extLst>
@@ -6577,7 +6725,7 @@
 </p:sld>
 </file>
 
-<file path=ppt/slides/slide13.xml><?xml version="1.0" encoding="utf-8"?>
+<file path=ppt/slides/slide14.xml><?xml version="1.0" encoding="utf-8"?>
 <p:sld xmlns:a="http://schemas.openxmlformats.org/drawingml/2006/main" xmlns:r="http://schemas.openxmlformats.org/officeDocument/2006/relationships" xmlns:p="http://schemas.openxmlformats.org/presentationml/2006/main">
   <p:cSld>
     <p:spTree>
@@ -7142,7 +7290,7 @@
         </p:nvSpPr>
         <p:spPr>
           <a:xfrm>
-            <a:off x="84637" y="236149"/>
+            <a:off x="1393638" y="1703233"/>
             <a:ext cx="9404723" cy="1400530"/>
           </a:xfrm>
         </p:spPr>
@@ -7151,65 +7299,27 @@
           <a:lstStyle/>
           <a:p>
             <a:r>
-              <a:rPr lang="en-US" dirty="0"/>
-              <a:t>About Cloud </a:t>
-            </a:r>
-            <a:r>
-              <a:rPr lang="en-US" dirty="0" err="1"/>
-              <a:t>Firestore</a:t>
-            </a:r>
-            <a:r>
-              <a:rPr lang="en-US" dirty="0"/>
-              <a:t>:</a:t>
-            </a:r>
-          </a:p>
-        </p:txBody>
-      </p:sp>
-      <p:sp>
-        <p:nvSpPr>
-          <p:cNvPr id="3" name="Content Placeholder 2"/>
-          <p:cNvSpPr>
-            <a:spLocks noGrp="1"/>
-          </p:cNvSpPr>
-          <p:nvPr>
-            <p:ph idx="1"/>
-          </p:nvPr>
-        </p:nvSpPr>
-        <p:spPr>
-          <a:xfrm>
-            <a:off x="313727" y="1343483"/>
-            <a:ext cx="8946541" cy="4195481"/>
-          </a:xfrm>
-        </p:spPr>
-        <p:txBody>
-          <a:bodyPr/>
-          <a:lstStyle/>
-          <a:p>
-            <a:r>
-              <a:rPr lang="en-US" dirty="0"/>
-              <a:t>It’s a NoSQL database</a:t>
-            </a:r>
-          </a:p>
-          <a:p>
-            <a:r>
-              <a:rPr lang="en-US" dirty="0"/>
-              <a:t>It’s composed by collections and documents</a:t>
-            </a:r>
-          </a:p>
-          <a:p>
-            <a:r>
-              <a:rPr lang="en-US" dirty="0"/>
-              <a:t>You can store data in structures of data</a:t>
-            </a:r>
-          </a:p>
-          <a:p>
-            <a:endParaRPr lang="en-US" dirty="0"/>
+              <a:rPr lang="en-US" sz="3200" b="1" dirty="0"/>
+              <a:t>Firebase</a:t>
+            </a:r>
+            <a:r>
+              <a:rPr lang="en-US" sz="3200" dirty="0"/>
+              <a:t> is a Backend-as-a-Service (Baas). It provides developers with a variety of tools and services to help them develop quality apps, grow their user base, and earn profit. It is built on Google's infrastructure. </a:t>
+            </a:r>
+            <a:r>
+              <a:rPr lang="en-US" sz="3200" b="1" dirty="0"/>
+              <a:t>Firebase</a:t>
+            </a:r>
+            <a:r>
+              <a:rPr lang="en-US" sz="3200" dirty="0"/>
+              <a:t> is categorized as a NoSQL database program, which stores data in JSON-like documents.</a:t>
+            </a:r>
           </a:p>
         </p:txBody>
       </p:sp>
       <p:pic>
         <p:nvPicPr>
-          <p:cNvPr id="6" name="Picture 5"/>
+          <p:cNvPr id="4" name="Picture 3"/>
           <p:cNvPicPr>
             <a:picLocks noChangeAspect="1"/>
           </p:cNvPicPr>
@@ -7229,48 +7339,126 @@
         </p:blipFill>
         <p:spPr>
           <a:xfrm>
-            <a:off x="6251047" y="2756960"/>
-            <a:ext cx="5580394" cy="3138971"/>
+            <a:off x="208547" y="5245768"/>
+            <a:ext cx="1463884" cy="1463884"/>
           </a:xfrm>
           <a:prstGeom prst="rect">
             <a:avLst/>
           </a:prstGeom>
         </p:spPr>
       </p:pic>
-      <p:pic>
-        <p:nvPicPr>
-          <p:cNvPr id="8" name="Picture 7"/>
-          <p:cNvPicPr>
-            <a:picLocks noChangeAspect="1"/>
-          </p:cNvPicPr>
-          <p:nvPr/>
-        </p:nvPicPr>
-        <p:blipFill>
-          <a:blip r:embed="rId3">
+      <p:sp>
+        <p:nvSpPr>
+          <p:cNvPr id="5" name="Title 1">
             <a:extLst>
-              <a:ext uri="{28A0092B-C50C-407E-A947-70E740481C1C}">
-                <a14:useLocalDpi xmlns:a14="http://schemas.microsoft.com/office/drawing/2010/main" val="0"/>
+              <a:ext uri="{FF2B5EF4-FFF2-40B4-BE49-F238E27FC236}">
+                <a16:creationId xmlns:a16="http://schemas.microsoft.com/office/drawing/2014/main" id="{21437AA5-1DCA-4BCD-A7DD-E711ECDC8A03}"/>
               </a:ext>
             </a:extLst>
-          </a:blip>
-          <a:stretch>
-            <a:fillRect/>
-          </a:stretch>
-        </p:blipFill>
-        <p:spPr>
-          <a:xfrm>
-            <a:off x="199182" y="2756960"/>
-            <a:ext cx="5937320" cy="3402411"/>
+          </p:cNvPr>
+          <p:cNvSpPr txBox="1">
+            <a:spLocks/>
+          </p:cNvSpPr>
+          <p:nvPr/>
+        </p:nvSpPr>
+        <p:spPr>
+          <a:xfrm>
+            <a:off x="589589" y="693350"/>
+            <a:ext cx="9404723" cy="1400530"/>
           </a:xfrm>
           <a:prstGeom prst="rect">
             <a:avLst/>
           </a:prstGeom>
         </p:spPr>
-      </p:pic>
+        <p:txBody>
+          <a:bodyPr vert="horz" lIns="91440" tIns="45720" rIns="91440" bIns="45720" rtlCol="0" anchor="t">
+            <a:noAutofit/>
+          </a:bodyPr>
+          <a:lstStyle>
+            <a:lvl1pPr algn="l" defTabSz="457200" rtl="0" eaLnBrk="1" latinLnBrk="0" hangingPunct="1">
+              <a:spcBef>
+                <a:spcPct val="0"/>
+              </a:spcBef>
+              <a:buNone/>
+              <a:defRPr sz="4200" b="0" i="0" kern="1200">
+                <a:solidFill>
+                  <a:schemeClr val="tx2"/>
+                </a:solidFill>
+                <a:latin typeface="+mj-lt"/>
+                <a:ea typeface="+mj-ea"/>
+                <a:cs typeface="+mj-cs"/>
+              </a:defRPr>
+            </a:lvl1pPr>
+            <a:lvl2pPr eaLnBrk="1" hangingPunct="1">
+              <a:defRPr>
+                <a:solidFill>
+                  <a:schemeClr val="tx2"/>
+                </a:solidFill>
+              </a:defRPr>
+            </a:lvl2pPr>
+            <a:lvl3pPr eaLnBrk="1" hangingPunct="1">
+              <a:defRPr>
+                <a:solidFill>
+                  <a:schemeClr val="tx2"/>
+                </a:solidFill>
+              </a:defRPr>
+            </a:lvl3pPr>
+            <a:lvl4pPr eaLnBrk="1" hangingPunct="1">
+              <a:defRPr>
+                <a:solidFill>
+                  <a:schemeClr val="tx2"/>
+                </a:solidFill>
+              </a:defRPr>
+            </a:lvl4pPr>
+            <a:lvl5pPr eaLnBrk="1" hangingPunct="1">
+              <a:defRPr>
+                <a:solidFill>
+                  <a:schemeClr val="tx2"/>
+                </a:solidFill>
+              </a:defRPr>
+            </a:lvl5pPr>
+            <a:lvl6pPr eaLnBrk="1" hangingPunct="1">
+              <a:defRPr>
+                <a:solidFill>
+                  <a:schemeClr val="tx2"/>
+                </a:solidFill>
+              </a:defRPr>
+            </a:lvl6pPr>
+            <a:lvl7pPr eaLnBrk="1" hangingPunct="1">
+              <a:defRPr>
+                <a:solidFill>
+                  <a:schemeClr val="tx2"/>
+                </a:solidFill>
+              </a:defRPr>
+            </a:lvl7pPr>
+            <a:lvl8pPr eaLnBrk="1" hangingPunct="1">
+              <a:defRPr>
+                <a:solidFill>
+                  <a:schemeClr val="tx2"/>
+                </a:solidFill>
+              </a:defRPr>
+            </a:lvl8pPr>
+            <a:lvl9pPr eaLnBrk="1" hangingPunct="1">
+              <a:defRPr>
+                <a:solidFill>
+                  <a:schemeClr val="tx2"/>
+                </a:solidFill>
+              </a:defRPr>
+            </a:lvl9pPr>
+          </a:lstStyle>
+          <a:p>
+            <a:r>
+              <a:rPr lang="en-US" sz="4400"/>
+              <a:t>So, what is firebase?</a:t>
+            </a:r>
+            <a:endParaRPr lang="en-US" sz="4400" dirty="0"/>
+          </a:p>
+        </p:txBody>
+      </p:sp>
     </p:spTree>
     <p:extLst>
       <p:ext uri="{BB962C8B-B14F-4D97-AF65-F5344CB8AC3E}">
-        <p14:creationId xmlns:p14="http://schemas.microsoft.com/office/powerpoint/2010/main" val="1252433632"/>
+        <p14:creationId xmlns:p14="http://schemas.microsoft.com/office/powerpoint/2010/main" val="2914073144"/>
       </p:ext>
     </p:extLst>
   </p:cSld>
@@ -7307,14 +7495,19 @@
             <p:ph type="title"/>
           </p:nvPr>
         </p:nvSpPr>
-        <p:spPr/>
+        <p:spPr>
+          <a:xfrm>
+            <a:off x="84637" y="236149"/>
+            <a:ext cx="9404723" cy="1400530"/>
+          </a:xfrm>
+        </p:spPr>
         <p:txBody>
           <a:bodyPr/>
           <a:lstStyle/>
           <a:p>
             <a:r>
               <a:rPr lang="en-US" dirty="0"/>
-              <a:t>How my </a:t>
+              <a:t>About Cloud </a:t>
             </a:r>
             <a:r>
               <a:rPr lang="en-US" dirty="0" err="1"/>
@@ -7322,31 +7515,77 @@
             </a:r>
             <a:r>
               <a:rPr lang="en-US" dirty="0"/>
-              <a:t> database is looking like:</a:t>
-            </a:r>
+              <a:t>:</a:t>
+            </a:r>
+          </a:p>
+        </p:txBody>
+      </p:sp>
+      <p:sp>
+        <p:nvSpPr>
+          <p:cNvPr id="3" name="Content Placeholder 2"/>
+          <p:cNvSpPr>
+            <a:spLocks noGrp="1"/>
+          </p:cNvSpPr>
+          <p:nvPr>
+            <p:ph idx="1"/>
+          </p:nvPr>
+        </p:nvSpPr>
+        <p:spPr>
+          <a:xfrm>
+            <a:off x="313727" y="1343483"/>
+            <a:ext cx="8946541" cy="4195481"/>
+          </a:xfrm>
+        </p:spPr>
+        <p:txBody>
+          <a:bodyPr/>
+          <a:lstStyle/>
+          <a:p>
+            <a:r>
+              <a:rPr lang="en-US" dirty="0"/>
+              <a:t>It’s a NoSQL database</a:t>
+            </a:r>
+          </a:p>
+          <a:p>
+            <a:r>
+              <a:rPr lang="en-US" dirty="0"/>
+              <a:t>It’s composed by collections and documents</a:t>
+            </a:r>
+          </a:p>
+          <a:p>
+            <a:r>
+              <a:rPr lang="en-US" dirty="0"/>
+              <a:t>You can store data in structures of data</a:t>
+            </a:r>
+          </a:p>
+          <a:p>
+            <a:endParaRPr lang="en-US" dirty="0"/>
           </a:p>
         </p:txBody>
       </p:sp>
       <p:pic>
         <p:nvPicPr>
-          <p:cNvPr id="5" name="Content Placeholder 4"/>
+          <p:cNvPr id="6" name="Picture 5"/>
           <p:cNvPicPr>
-            <a:picLocks noGrp="1" noChangeAspect="1"/>
+            <a:picLocks noChangeAspect="1"/>
           </p:cNvPicPr>
-          <p:nvPr>
-            <p:ph idx="1"/>
-          </p:nvPr>
+          <p:nvPr/>
         </p:nvPicPr>
         <p:blipFill>
-          <a:blip r:embed="rId2"/>
+          <a:blip r:embed="rId2">
+            <a:extLst>
+              <a:ext uri="{28A0092B-C50C-407E-A947-70E740481C1C}">
+                <a14:useLocalDpi xmlns:a14="http://schemas.microsoft.com/office/drawing/2010/main" val="0"/>
+              </a:ext>
+            </a:extLst>
+          </a:blip>
           <a:stretch>
             <a:fillRect/>
           </a:stretch>
         </p:blipFill>
         <p:spPr>
           <a:xfrm>
-            <a:off x="2210218" y="2414207"/>
-            <a:ext cx="9356140" cy="3732017"/>
+            <a:off x="6251047" y="2756960"/>
+            <a:ext cx="5580394" cy="3138971"/>
           </a:xfrm>
           <a:prstGeom prst="rect">
             <a:avLst/>
@@ -7355,7 +7594,7 @@
       </p:pic>
       <p:pic>
         <p:nvPicPr>
-          <p:cNvPr id="4" name="Picture 3"/>
+          <p:cNvPr id="8" name="Picture 7"/>
           <p:cNvPicPr>
             <a:picLocks noChangeAspect="1"/>
           </p:cNvPicPr>
@@ -7375,8 +7614,8 @@
         </p:blipFill>
         <p:spPr>
           <a:xfrm>
-            <a:off x="208547" y="5245768"/>
-            <a:ext cx="1463884" cy="1463884"/>
+            <a:off x="199182" y="2756960"/>
+            <a:ext cx="5937320" cy="3402411"/>
           </a:xfrm>
           <a:prstGeom prst="rect">
             <a:avLst/>
@@ -7386,7 +7625,7 @@
     </p:spTree>
     <p:extLst>
       <p:ext uri="{BB962C8B-B14F-4D97-AF65-F5344CB8AC3E}">
-        <p14:creationId xmlns:p14="http://schemas.microsoft.com/office/powerpoint/2010/main" val="3596206399"/>
+        <p14:creationId xmlns:p14="http://schemas.microsoft.com/office/powerpoint/2010/main" val="1252433632"/>
       </p:ext>
     </p:extLst>
   </p:cSld>
@@ -7428,36 +7667,30 @@
           <a:bodyPr/>
           <a:lstStyle/>
           <a:p>
-            <a:endParaRPr lang="en-US"/>
-          </a:p>
-        </p:txBody>
-      </p:sp>
-      <p:sp>
-        <p:nvSpPr>
-          <p:cNvPr id="3" name="Content Placeholder 2"/>
-          <p:cNvSpPr>
-            <a:spLocks noGrp="1"/>
-          </p:cNvSpPr>
-          <p:nvPr>
-            <p:ph idx="1"/>
-          </p:nvPr>
-        </p:nvSpPr>
-        <p:spPr/>
-        <p:txBody>
-          <a:bodyPr/>
-          <a:lstStyle/>
-          <a:p>
-            <a:endParaRPr lang="en-US"/>
+            <a:r>
+              <a:rPr lang="en-US" dirty="0"/>
+              <a:t>How my </a:t>
+            </a:r>
+            <a:r>
+              <a:rPr lang="en-US" dirty="0" err="1"/>
+              <a:t>Firestore</a:t>
+            </a:r>
+            <a:r>
+              <a:rPr lang="en-US" dirty="0"/>
+              <a:t> database is looking like:</a:t>
+            </a:r>
           </a:p>
         </p:txBody>
       </p:sp>
       <p:pic>
         <p:nvPicPr>
-          <p:cNvPr id="6" name="Picture 5"/>
+          <p:cNvPr id="5" name="Content Placeholder 4"/>
           <p:cNvPicPr>
-            <a:picLocks noChangeAspect="1"/>
+            <a:picLocks noGrp="1" noChangeAspect="1"/>
           </p:cNvPicPr>
-          <p:nvPr/>
+          <p:nvPr>
+            <p:ph idx="1"/>
+          </p:nvPr>
         </p:nvPicPr>
         <p:blipFill>
           <a:blip r:embed="rId2"/>
@@ -7467,8 +7700,38 @@
         </p:blipFill>
         <p:spPr>
           <a:xfrm>
-            <a:off x="774073" y="516887"/>
-            <a:ext cx="10197463" cy="5540542"/>
+            <a:off x="2210218" y="2414207"/>
+            <a:ext cx="9356140" cy="3732017"/>
+          </a:xfrm>
+          <a:prstGeom prst="rect">
+            <a:avLst/>
+          </a:prstGeom>
+        </p:spPr>
+      </p:pic>
+      <p:pic>
+        <p:nvPicPr>
+          <p:cNvPr id="4" name="Picture 3"/>
+          <p:cNvPicPr>
+            <a:picLocks noChangeAspect="1"/>
+          </p:cNvPicPr>
+          <p:nvPr/>
+        </p:nvPicPr>
+        <p:blipFill>
+          <a:blip r:embed="rId3">
+            <a:extLst>
+              <a:ext uri="{28A0092B-C50C-407E-A947-70E740481C1C}">
+                <a14:useLocalDpi xmlns:a14="http://schemas.microsoft.com/office/drawing/2010/main" val="0"/>
+              </a:ext>
+            </a:extLst>
+          </a:blip>
+          <a:stretch>
+            <a:fillRect/>
+          </a:stretch>
+        </p:blipFill>
+        <p:spPr>
+          <a:xfrm>
+            <a:off x="208547" y="5245768"/>
+            <a:ext cx="1463884" cy="1463884"/>
           </a:xfrm>
           <a:prstGeom prst="rect">
             <a:avLst/>
@@ -7478,7 +7741,7 @@
     </p:spTree>
     <p:extLst>
       <p:ext uri="{BB962C8B-B14F-4D97-AF65-F5344CB8AC3E}">
-        <p14:creationId xmlns:p14="http://schemas.microsoft.com/office/powerpoint/2010/main" val="233104025"/>
+        <p14:creationId xmlns:p14="http://schemas.microsoft.com/office/powerpoint/2010/main" val="3596206399"/>
       </p:ext>
     </p:extLst>
   </p:cSld>
@@ -7520,10 +7783,7 @@
           <a:bodyPr/>
           <a:lstStyle/>
           <a:p>
-            <a:r>
-              <a:rPr lang="en-US" dirty="0"/>
-              <a:t>What I did wrong:</a:t>
-            </a:r>
+            <a:endParaRPr lang="en-US"/>
           </a:p>
         </p:txBody>
       </p:sp>
@@ -7537,182 +7797,43 @@
             <p:ph idx="1"/>
           </p:nvPr>
         </p:nvSpPr>
-        <p:spPr>
-          <a:xfrm>
-            <a:off x="1728954" y="1531550"/>
-            <a:ext cx="9548646" cy="4989566"/>
-          </a:xfrm>
-        </p:spPr>
-        <p:txBody>
-          <a:bodyPr>
-            <a:normAutofit/>
-          </a:bodyPr>
-          <a:lstStyle/>
-          <a:p>
-            <a:r>
-              <a:rPr lang="en-US" dirty="0"/>
-              <a:t>The register and login is sometimes slow (idk why)</a:t>
-            </a:r>
-          </a:p>
-          <a:p>
-            <a:r>
-              <a:rPr lang="en-US" dirty="0"/>
-              <a:t>The app doesn’t ask the user how many rooms does he have (didn’t have enough time  to implement this)</a:t>
-            </a:r>
-          </a:p>
-          <a:p>
-            <a:r>
-              <a:rPr lang="en-US" dirty="0"/>
-              <a:t>The front-end of the app is not created by typing. Most of it is created by drag and drop.</a:t>
-            </a:r>
-          </a:p>
-          <a:p>
-            <a:r>
-              <a:rPr lang="en-US" dirty="0"/>
-              <a:t>Wrote a lot of boilerplate and didn’t refactor correctly (e.g.. Creating a common class for some firebase instances and for some GUI elements)</a:t>
-            </a:r>
-          </a:p>
-          <a:p>
-            <a:r>
-              <a:rPr lang="en-US" dirty="0"/>
-              <a:t>When I started the app I spend a lot of time on designing the GUI</a:t>
-            </a:r>
-          </a:p>
-          <a:p>
-            <a:r>
-              <a:rPr lang="en-US" dirty="0"/>
-              <a:t>Created a new booking and user is not sanitized 100%</a:t>
-            </a:r>
-          </a:p>
-          <a:p>
-            <a:r>
-              <a:rPr lang="en-US" dirty="0"/>
-              <a:t>My logout button is not correctly logging out the user. (Couldn’t fix this bug) </a:t>
-            </a:r>
-          </a:p>
-          <a:p>
-            <a:endParaRPr lang="en-US" dirty="0"/>
-          </a:p>
-          <a:p>
-            <a:endParaRPr lang="en-US" dirty="0"/>
-          </a:p>
-          <a:p>
-            <a:endParaRPr lang="en-US" dirty="0"/>
+        <p:spPr/>
+        <p:txBody>
+          <a:bodyPr/>
+          <a:lstStyle/>
+          <a:p>
+            <a:endParaRPr lang="en-US"/>
           </a:p>
         </p:txBody>
       </p:sp>
       <p:pic>
         <p:nvPicPr>
-          <p:cNvPr id="4" name="Picture 3"/>
+          <p:cNvPr id="6" name="Picture 5"/>
           <p:cNvPicPr>
             <a:picLocks noChangeAspect="1"/>
           </p:cNvPicPr>
           <p:nvPr/>
         </p:nvPicPr>
         <p:blipFill>
-          <a:blip r:embed="rId2">
-            <a:extLst>
-              <a:ext uri="{28A0092B-C50C-407E-A947-70E740481C1C}">
-                <a14:useLocalDpi xmlns:a14="http://schemas.microsoft.com/office/drawing/2010/main" val="0"/>
-              </a:ext>
-            </a:extLst>
-          </a:blip>
+          <a:blip r:embed="rId2"/>
           <a:stretch>
             <a:fillRect/>
           </a:stretch>
         </p:blipFill>
         <p:spPr>
           <a:xfrm>
-            <a:off x="208547" y="5245768"/>
-            <a:ext cx="1463884" cy="1463884"/>
+            <a:off x="774073" y="516887"/>
+            <a:ext cx="10197463" cy="5540542"/>
           </a:xfrm>
           <a:prstGeom prst="rect">
             <a:avLst/>
           </a:prstGeom>
         </p:spPr>
       </p:pic>
-      <p:sp>
-        <p:nvSpPr>
-          <p:cNvPr id="5" name="AutoShape 2" descr="Dislike Vector SVG Icon (27) - SVG Repo"/>
-          <p:cNvSpPr>
-            <a:spLocks noChangeAspect="1" noChangeArrowheads="1"/>
-          </p:cNvSpPr>
-          <p:nvPr/>
-        </p:nvSpPr>
-        <p:spPr bwMode="auto">
-          <a:xfrm>
-            <a:off x="7550985" y="3797648"/>
-            <a:ext cx="304800" cy="304801"/>
-          </a:xfrm>
-          <a:prstGeom prst="rect">
-            <a:avLst/>
-          </a:prstGeom>
-          <a:noFill/>
-          <a:extLst>
-            <a:ext uri="{909E8E84-426E-40DD-AFC4-6F175D3DCCD1}">
-              <a14:hiddenFill xmlns:a14="http://schemas.microsoft.com/office/drawing/2010/main">
-                <a:solidFill>
-                  <a:srgbClr val="FFFFFF"/>
-                </a:solidFill>
-              </a14:hiddenFill>
-            </a:ext>
-          </a:extLst>
-        </p:spPr>
-        <p:txBody>
-          <a:bodyPr vert="horz" wrap="square" lIns="91440" tIns="45720" rIns="91440" bIns="45720" numCol="1" anchor="t" anchorCtr="0" compatLnSpc="1">
-            <a:prstTxWarp prst="textNoShape">
-              <a:avLst/>
-            </a:prstTxWarp>
-          </a:bodyPr>
-          <a:lstStyle/>
-          <a:p>
-            <a:endParaRPr lang="en-US"/>
-          </a:p>
-        </p:txBody>
-      </p:sp>
-      <p:sp>
-        <p:nvSpPr>
-          <p:cNvPr id="6" name="AutoShape 4" descr="Dislike Vector SVG Icon (27) - SVG Repo"/>
-          <p:cNvSpPr>
-            <a:spLocks noChangeAspect="1" noChangeArrowheads="1"/>
-          </p:cNvSpPr>
-          <p:nvPr/>
-        </p:nvSpPr>
-        <p:spPr bwMode="auto">
-          <a:xfrm>
-            <a:off x="307975" y="7937"/>
-            <a:ext cx="304800" cy="304801"/>
-          </a:xfrm>
-          <a:prstGeom prst="rect">
-            <a:avLst/>
-          </a:prstGeom>
-          <a:noFill/>
-          <a:extLst>
-            <a:ext uri="{909E8E84-426E-40DD-AFC4-6F175D3DCCD1}">
-              <a14:hiddenFill xmlns:a14="http://schemas.microsoft.com/office/drawing/2010/main">
-                <a:solidFill>
-                  <a:srgbClr val="FFFFFF"/>
-                </a:solidFill>
-              </a14:hiddenFill>
-            </a:ext>
-          </a:extLst>
-        </p:spPr>
-        <p:txBody>
-          <a:bodyPr vert="horz" wrap="square" lIns="91440" tIns="45720" rIns="91440" bIns="45720" numCol="1" anchor="t" anchorCtr="0" compatLnSpc="1">
-            <a:prstTxWarp prst="textNoShape">
-              <a:avLst/>
-            </a:prstTxWarp>
-          </a:bodyPr>
-          <a:lstStyle/>
-          <a:p>
-            <a:endParaRPr lang="en-US"/>
-          </a:p>
-        </p:txBody>
-      </p:sp>
     </p:spTree>
     <p:extLst>
       <p:ext uri="{BB962C8B-B14F-4D97-AF65-F5344CB8AC3E}">
-        <p14:creationId xmlns:p14="http://schemas.microsoft.com/office/powerpoint/2010/main" val="3911156992"/>
+        <p14:creationId xmlns:p14="http://schemas.microsoft.com/office/powerpoint/2010/main" val="233104025"/>
       </p:ext>
     </p:extLst>
   </p:cSld>
@@ -7756,7 +7877,7 @@
           <a:p>
             <a:r>
               <a:rPr lang="en-US" dirty="0"/>
-              <a:t>What I did good:</a:t>
+              <a:t>What I did wrong:</a:t>
             </a:r>
           </a:p>
         </p:txBody>
@@ -7773,56 +7894,65 @@
         </p:nvSpPr>
         <p:spPr>
           <a:xfrm>
-            <a:off x="1295817" y="1331259"/>
-            <a:ext cx="8946541" cy="4195481"/>
-          </a:xfrm>
-        </p:spPr>
-        <p:txBody>
-          <a:bodyPr/>
-          <a:lstStyle/>
-          <a:p>
-            <a:r>
-              <a:rPr lang="en-US" dirty="0"/>
-              <a:t>Created a different fragment for each of the use-case (excepting the dashboard and login/register activities)</a:t>
-            </a:r>
-          </a:p>
-          <a:p>
-            <a:r>
-              <a:rPr lang="en-US" dirty="0"/>
-              <a:t>Used the </a:t>
-            </a:r>
-            <a:r>
-              <a:rPr lang="en-US" dirty="0" err="1"/>
-              <a:t>Firestore</a:t>
-            </a:r>
-            <a:r>
-              <a:rPr lang="en-US" dirty="0"/>
-              <a:t> recycle view adapter which was very useful and easy to adapt in the code.</a:t>
-            </a:r>
-          </a:p>
-          <a:p>
-            <a:r>
-              <a:rPr lang="en-US" dirty="0"/>
-              <a:t>Did a lot of commits</a:t>
-            </a:r>
-          </a:p>
-          <a:p>
-            <a:r>
-              <a:rPr lang="en-US" dirty="0"/>
-              <a:t>Created different branches for some features</a:t>
-            </a:r>
-          </a:p>
-          <a:p>
-            <a:r>
-              <a:rPr lang="en-US" dirty="0"/>
-              <a:t>Created a common background resource for all activities and GUIS (probably in the feature I will use this approach more when starting the development of an app)</a:t>
-            </a:r>
-          </a:p>
-          <a:p>
-            <a:r>
-              <a:rPr lang="en-US" dirty="0"/>
-              <a:t>Defined models for my entities (Booking, User)</a:t>
-            </a:r>
+            <a:off x="1728954" y="1531550"/>
+            <a:ext cx="9548646" cy="4989566"/>
+          </a:xfrm>
+        </p:spPr>
+        <p:txBody>
+          <a:bodyPr>
+            <a:normAutofit/>
+          </a:bodyPr>
+          <a:lstStyle/>
+          <a:p>
+            <a:r>
+              <a:rPr lang="en-US" dirty="0"/>
+              <a:t>The register and login is sometimes slow (idk why)</a:t>
+            </a:r>
+          </a:p>
+          <a:p>
+            <a:r>
+              <a:rPr lang="en-US" dirty="0"/>
+              <a:t>The app doesn’t ask the user how many rooms does he have (didn’t have enough time  to implement this)</a:t>
+            </a:r>
+          </a:p>
+          <a:p>
+            <a:r>
+              <a:rPr lang="en-US" dirty="0"/>
+              <a:t>The front-end of the app is not created by typing. Most of it is created by drag and drop.</a:t>
+            </a:r>
+          </a:p>
+          <a:p>
+            <a:r>
+              <a:rPr lang="en-US" dirty="0"/>
+              <a:t>Wrote a lot of boilerplate and didn’t refactor correctly (e.g.. Creating a common class for some firebase instances and for some GUI elements)</a:t>
+            </a:r>
+          </a:p>
+          <a:p>
+            <a:r>
+              <a:rPr lang="en-US" dirty="0"/>
+              <a:t>When I started the app I spend a lot of time on designing the GUI</a:t>
+            </a:r>
+          </a:p>
+          <a:p>
+            <a:r>
+              <a:rPr lang="en-US" dirty="0"/>
+              <a:t>Created a new booking and user is not sanitized 100%</a:t>
+            </a:r>
+          </a:p>
+          <a:p>
+            <a:r>
+              <a:rPr lang="en-US" dirty="0"/>
+              <a:t>My logout button is not correctly logging out the user. (Couldn’t fix this bug) </a:t>
+            </a:r>
+          </a:p>
+          <a:p>
+            <a:endParaRPr lang="en-US" dirty="0"/>
+          </a:p>
+          <a:p>
+            <a:endParaRPr lang="en-US" dirty="0"/>
+          </a:p>
+          <a:p>
+            <a:endParaRPr lang="en-US" dirty="0"/>
           </a:p>
         </p:txBody>
       </p:sp>
@@ -7856,10 +7986,88 @@
           </a:prstGeom>
         </p:spPr>
       </p:pic>
+      <p:sp>
+        <p:nvSpPr>
+          <p:cNvPr id="5" name="AutoShape 2" descr="Dislike Vector SVG Icon (27) - SVG Repo"/>
+          <p:cNvSpPr>
+            <a:spLocks noChangeAspect="1" noChangeArrowheads="1"/>
+          </p:cNvSpPr>
+          <p:nvPr/>
+        </p:nvSpPr>
+        <p:spPr bwMode="auto">
+          <a:xfrm>
+            <a:off x="7550985" y="3797648"/>
+            <a:ext cx="304800" cy="304801"/>
+          </a:xfrm>
+          <a:prstGeom prst="rect">
+            <a:avLst/>
+          </a:prstGeom>
+          <a:noFill/>
+          <a:extLst>
+            <a:ext uri="{909E8E84-426E-40DD-AFC4-6F175D3DCCD1}">
+              <a14:hiddenFill xmlns:a14="http://schemas.microsoft.com/office/drawing/2010/main">
+                <a:solidFill>
+                  <a:srgbClr val="FFFFFF"/>
+                </a:solidFill>
+              </a14:hiddenFill>
+            </a:ext>
+          </a:extLst>
+        </p:spPr>
+        <p:txBody>
+          <a:bodyPr vert="horz" wrap="square" lIns="91440" tIns="45720" rIns="91440" bIns="45720" numCol="1" anchor="t" anchorCtr="0" compatLnSpc="1">
+            <a:prstTxWarp prst="textNoShape">
+              <a:avLst/>
+            </a:prstTxWarp>
+          </a:bodyPr>
+          <a:lstStyle/>
+          <a:p>
+            <a:endParaRPr lang="en-US"/>
+          </a:p>
+        </p:txBody>
+      </p:sp>
+      <p:sp>
+        <p:nvSpPr>
+          <p:cNvPr id="6" name="AutoShape 4" descr="Dislike Vector SVG Icon (27) - SVG Repo"/>
+          <p:cNvSpPr>
+            <a:spLocks noChangeAspect="1" noChangeArrowheads="1"/>
+          </p:cNvSpPr>
+          <p:nvPr/>
+        </p:nvSpPr>
+        <p:spPr bwMode="auto">
+          <a:xfrm>
+            <a:off x="307975" y="7937"/>
+            <a:ext cx="304800" cy="304801"/>
+          </a:xfrm>
+          <a:prstGeom prst="rect">
+            <a:avLst/>
+          </a:prstGeom>
+          <a:noFill/>
+          <a:extLst>
+            <a:ext uri="{909E8E84-426E-40DD-AFC4-6F175D3DCCD1}">
+              <a14:hiddenFill xmlns:a14="http://schemas.microsoft.com/office/drawing/2010/main">
+                <a:solidFill>
+                  <a:srgbClr val="FFFFFF"/>
+                </a:solidFill>
+              </a14:hiddenFill>
+            </a:ext>
+          </a:extLst>
+        </p:spPr>
+        <p:txBody>
+          <a:bodyPr vert="horz" wrap="square" lIns="91440" tIns="45720" rIns="91440" bIns="45720" numCol="1" anchor="t" anchorCtr="0" compatLnSpc="1">
+            <a:prstTxWarp prst="textNoShape">
+              <a:avLst/>
+            </a:prstTxWarp>
+          </a:bodyPr>
+          <a:lstStyle/>
+          <a:p>
+            <a:endParaRPr lang="en-US"/>
+          </a:p>
+        </p:txBody>
+      </p:sp>
     </p:spTree>
     <p:extLst>
       <p:ext uri="{BB962C8B-B14F-4D97-AF65-F5344CB8AC3E}">
-        <p14:creationId xmlns:p14="http://schemas.microsoft.com/office/powerpoint/2010/main" val="3579491964"/>
+        <p14:creationId xmlns:p14="http://schemas.microsoft.com/office/powerpoint/2010/main" val="3911156992"/>
       </p:ext>
     </p:extLst>
   </p:cSld>
